--- a/Week6/Week6session1.pptx
+++ b/Week6/Week6session1.pptx
@@ -232,7 +232,7 @@
           <a:p>
             <a:fld id="{0AC85C83-8E60-4A87-A094-C983E1BBD67C}" type="datetimeFigureOut">
               <a:rPr lang="en-US" smtClean="0"/>
-              <a:t>5/9/2017</a:t>
+              <a:t>5/11/17</a:t>
             </a:fld>
             <a:endParaRPr lang="en-US" dirty="0"/>
           </a:p>
@@ -631,7 +631,7 @@
           <a:p>
             <a:fld id="{6634F801-C165-4294-8085-9D9FB6EA6872}" type="datetimeFigureOut">
               <a:rPr lang="en-US" smtClean="0"/>
-              <a:t>5/9/2017</a:t>
+              <a:t>5/11/17</a:t>
             </a:fld>
             <a:endParaRPr lang="en-US" dirty="0"/>
           </a:p>
@@ -801,7 +801,7 @@
           <a:p>
             <a:fld id="{6634F801-C165-4294-8085-9D9FB6EA6872}" type="datetimeFigureOut">
               <a:rPr lang="en-US" smtClean="0"/>
-              <a:t>5/9/2017</a:t>
+              <a:t>5/11/17</a:t>
             </a:fld>
             <a:endParaRPr lang="en-US" dirty="0"/>
           </a:p>
@@ -981,7 +981,7 @@
           <a:p>
             <a:fld id="{6634F801-C165-4294-8085-9D9FB6EA6872}" type="datetimeFigureOut">
               <a:rPr lang="en-US" smtClean="0"/>
-              <a:t>5/9/2017</a:t>
+              <a:t>5/11/17</a:t>
             </a:fld>
             <a:endParaRPr lang="en-US" dirty="0"/>
           </a:p>
@@ -1151,7 +1151,7 @@
           <a:p>
             <a:fld id="{6634F801-C165-4294-8085-9D9FB6EA6872}" type="datetimeFigureOut">
               <a:rPr lang="en-US" smtClean="0"/>
-              <a:t>5/9/2017</a:t>
+              <a:t>5/11/17</a:t>
             </a:fld>
             <a:endParaRPr lang="en-US" dirty="0"/>
           </a:p>
@@ -1397,7 +1397,7 @@
           <a:p>
             <a:fld id="{6634F801-C165-4294-8085-9D9FB6EA6872}" type="datetimeFigureOut">
               <a:rPr lang="en-US" smtClean="0"/>
-              <a:t>5/9/2017</a:t>
+              <a:t>5/11/17</a:t>
             </a:fld>
             <a:endParaRPr lang="en-US" dirty="0"/>
           </a:p>
@@ -1629,7 +1629,7 @@
           <a:p>
             <a:fld id="{6634F801-C165-4294-8085-9D9FB6EA6872}" type="datetimeFigureOut">
               <a:rPr lang="en-US" smtClean="0"/>
-              <a:t>5/9/2017</a:t>
+              <a:t>5/11/17</a:t>
             </a:fld>
             <a:endParaRPr lang="en-US" dirty="0"/>
           </a:p>
@@ -1996,7 +1996,7 @@
           <a:p>
             <a:fld id="{6634F801-C165-4294-8085-9D9FB6EA6872}" type="datetimeFigureOut">
               <a:rPr lang="en-US" smtClean="0"/>
-              <a:t>5/9/2017</a:t>
+              <a:t>5/11/17</a:t>
             </a:fld>
             <a:endParaRPr lang="en-US" dirty="0"/>
           </a:p>
@@ -2114,7 +2114,7 @@
           <a:p>
             <a:fld id="{6634F801-C165-4294-8085-9D9FB6EA6872}" type="datetimeFigureOut">
               <a:rPr lang="en-US" smtClean="0"/>
-              <a:t>5/9/2017</a:t>
+              <a:t>5/11/17</a:t>
             </a:fld>
             <a:endParaRPr lang="en-US" dirty="0"/>
           </a:p>
@@ -2209,7 +2209,7 @@
           <a:p>
             <a:fld id="{6634F801-C165-4294-8085-9D9FB6EA6872}" type="datetimeFigureOut">
               <a:rPr lang="en-US" smtClean="0"/>
-              <a:t>5/9/2017</a:t>
+              <a:t>5/11/17</a:t>
             </a:fld>
             <a:endParaRPr lang="en-US" dirty="0"/>
           </a:p>
@@ -2486,7 +2486,7 @@
           <a:p>
             <a:fld id="{6634F801-C165-4294-8085-9D9FB6EA6872}" type="datetimeFigureOut">
               <a:rPr lang="en-US" smtClean="0"/>
-              <a:t>5/9/2017</a:t>
+              <a:t>5/11/17</a:t>
             </a:fld>
             <a:endParaRPr lang="en-US" dirty="0"/>
           </a:p>
@@ -2739,7 +2739,7 @@
           <a:p>
             <a:fld id="{6634F801-C165-4294-8085-9D9FB6EA6872}" type="datetimeFigureOut">
               <a:rPr lang="en-US" smtClean="0"/>
-              <a:t>5/9/2017</a:t>
+              <a:t>5/11/17</a:t>
             </a:fld>
             <a:endParaRPr lang="en-US" dirty="0"/>
           </a:p>
@@ -2952,7 +2952,7 @@
           <a:p>
             <a:fld id="{6634F801-C165-4294-8085-9D9FB6EA6872}" type="datetimeFigureOut">
               <a:rPr lang="en-US" smtClean="0"/>
-              <a:t>5/9/2017</a:t>
+              <a:t>5/11/17</a:t>
             </a:fld>
             <a:endParaRPr lang="en-US" dirty="0"/>
           </a:p>
@@ -3818,19 +3818,12 @@
               <a:rPr lang="en-US" sz="2400" dirty="0" smtClean="0">
                 <a:sym typeface="Symbol" panose="05050102010706020507" pitchFamily="18" charset="2"/>
               </a:rPr>
-              <a:t>Pay attention to the top blast hits because there can be very similar or identical values</a:t>
-            </a:r>
-            <a:r>
-              <a:rPr lang="en-US" sz="2400" dirty="0" smtClean="0">
-                <a:sym typeface="Symbol" panose="05050102010706020507" pitchFamily="18" charset="2"/>
-              </a:rPr>
-              <a:t>, in which case on query protein can have more than one reciprocal best hit.</a:t>
+              <a:t>Pay attention to the top blast hits because there can be very similar or identical values, in which case on query protein can have more than one reciprocal best hit.</a:t>
             </a:r>
             <a:r>
               <a:rPr lang="en-US" sz="2400" b="1" dirty="0" smtClean="0"/>
               <a:t>               </a:t>
             </a:r>
-            <a:endParaRPr lang="en-US" sz="2400" b="1" dirty="0" smtClean="0"/>
           </a:p>
         </p:txBody>
       </p:sp>
@@ -4111,20 +4104,28 @@
               <a:buChar char="q"/>
             </a:pPr>
             <a:r>
-              <a:rPr lang="en-US" sz="2200" dirty="0" smtClean="0"/>
+              <a:rPr lang="en-US" sz="2200" b="1" dirty="0" smtClean="0"/>
               <a:t>The entire DNA sequence that is </a:t>
             </a:r>
             <a:r>
-              <a:rPr lang="en-US" sz="2200" u="sng" dirty="0" smtClean="0"/>
+              <a:rPr lang="en-US" sz="2200" b="1" u="sng" dirty="0" smtClean="0"/>
               <a:t>necessary</a:t>
             </a:r>
             <a:r>
-              <a:rPr lang="en-US" sz="2200" dirty="0" smtClean="0"/>
-              <a:t> for the synthesis of a functional polypeptide (or RNA molecule). Therefore, a gene includes more than then the nucleotides encoding the proteins. This includes transcription factors binding sites, promoters, etc.</a:t>
+              <a:rPr lang="en-US" sz="2200" b="1" dirty="0" smtClean="0"/>
+              <a:t> for the synthesis of a functional polypeptide (or RNA molecule). Therefore, a gene includes more than </a:t>
+            </a:r>
+            <a:r>
+              <a:rPr lang="en-US" sz="2200" b="1" dirty="0" smtClean="0"/>
+              <a:t>the </a:t>
+            </a:r>
+            <a:r>
+              <a:rPr lang="en-US" sz="2200" b="1" dirty="0" smtClean="0"/>
+              <a:t>nucleotides encoding the proteins. This includes transcription factors binding sites, promoters, etc.</a:t>
             </a:r>
           </a:p>
           <a:p>
-            <a:endParaRPr lang="en-US" sz="2400" dirty="0" smtClean="0"/>
+            <a:endParaRPr lang="en-US" sz="2400" b="1" dirty="0" smtClean="0"/>
           </a:p>
           <a:p>
             <a:endParaRPr lang="en-US" sz="2400" dirty="0"/>
@@ -4849,23 +4850,7 @@
             </a:pPr>
             <a:r>
               <a:rPr lang="en-US" sz="2400" dirty="0" smtClean="0"/>
-              <a:t>Genes are </a:t>
-            </a:r>
-            <a:r>
-              <a:rPr lang="en-US" sz="2400" dirty="0" smtClean="0"/>
-              <a:t>co-regulated </a:t>
-            </a:r>
-            <a:r>
-              <a:rPr lang="en-US" sz="2400" dirty="0" smtClean="0"/>
-              <a:t>and </a:t>
-            </a:r>
-            <a:r>
-              <a:rPr lang="en-US" sz="2400" dirty="0" smtClean="0"/>
-              <a:t>co-expressed</a:t>
-            </a:r>
-            <a:r>
-              <a:rPr lang="en-US" sz="2400" dirty="0" smtClean="0"/>
-              <a:t>.</a:t>
+              <a:t>Genes are co-regulated and co-expressed.</a:t>
             </a:r>
           </a:p>
           <a:p>
@@ -6742,11 +6727,7 @@
             </a:pPr>
             <a:r>
               <a:rPr lang="en-US" sz="2400" dirty="0" smtClean="0"/>
-              <a:t>It’s </a:t>
-            </a:r>
-            <a:r>
-              <a:rPr lang="en-US" sz="2400" dirty="0" smtClean="0"/>
-              <a:t>possible to functionally relate different proteins.</a:t>
+              <a:t>It’s possible to functionally relate different proteins.</a:t>
             </a:r>
           </a:p>
           <a:p>
@@ -6791,15 +6772,7 @@
             </a:pPr>
             <a:r>
               <a:rPr lang="en-US" sz="2400" dirty="0" smtClean="0"/>
-              <a:t>If a transporter and enzymes are present in the operon, it would be possible to infer </a:t>
-            </a:r>
-            <a:r>
-              <a:rPr lang="en-US" sz="2400" dirty="0" smtClean="0"/>
-              <a:t>the </a:t>
-            </a:r>
-            <a:r>
-              <a:rPr lang="en-US" sz="2400" dirty="0" smtClean="0"/>
-              <a:t>substrate of the transporter.</a:t>
+              <a:t>If a transporter and enzymes are present in the operon, it would be possible to infer the substrate of the transporter.</a:t>
             </a:r>
           </a:p>
           <a:p>
@@ -6814,27 +6787,7 @@
             </a:pPr>
             <a:r>
               <a:rPr lang="en-US" sz="2400" dirty="0" smtClean="0"/>
-              <a:t>We could </a:t>
-            </a:r>
-            <a:r>
-              <a:rPr lang="en-US" sz="2400" dirty="0" smtClean="0"/>
-              <a:t>approach</a:t>
-            </a:r>
-            <a:r>
-              <a:rPr lang="en-US" sz="2400" dirty="0" smtClean="0"/>
-              <a:t> </a:t>
-            </a:r>
-            <a:r>
-              <a:rPr lang="en-US" sz="2400" dirty="0" smtClean="0"/>
-              <a:t>questions about the </a:t>
-            </a:r>
-            <a:r>
-              <a:rPr lang="en-US" sz="2400" dirty="0" smtClean="0"/>
-              <a:t>evolution of operons</a:t>
-            </a:r>
-            <a:r>
-              <a:rPr lang="en-US" sz="2400" dirty="0" smtClean="0"/>
-              <a:t>.</a:t>
+              <a:t>We could approach questions about the evolution of operons.</a:t>
             </a:r>
           </a:p>
           <a:p>
@@ -6853,11 +6806,7 @@
             </a:r>
             <a:r>
               <a:rPr lang="en-US" sz="2400" dirty="0" smtClean="0"/>
-              <a:t>tc</a:t>
-            </a:r>
-            <a:r>
-              <a:rPr lang="en-US" sz="2400" dirty="0" smtClean="0"/>
-              <a:t>.</a:t>
+              <a:t>tc.</a:t>
             </a:r>
           </a:p>
           <a:p>
@@ -7146,22 +7095,7 @@
                   </a:outerShdw>
                 </a:effectLst>
               </a:rPr>
-              <a:t>What </a:t>
-            </a:r>
-            <a:r>
-              <a:rPr lang="en-US" b="1" dirty="0" smtClean="0">
-                <a:solidFill>
-                  <a:srgbClr val="002060"/>
-                </a:solidFill>
-                <a:effectLst>
-                  <a:outerShdw blurRad="38100" dist="38100" dir="2700000" algn="tl">
-                    <a:srgbClr val="000000">
-                      <a:alpha val="43137"/>
-                    </a:srgbClr>
-                  </a:outerShdw>
-                </a:effectLst>
-              </a:rPr>
-              <a:t>variables are relevant to the task?</a:t>
+              <a:t>What variables are relevant to the task?</a:t>
             </a:r>
             <a:endParaRPr lang="en-US" b="1" dirty="0">
               <a:solidFill>
@@ -7329,11 +7263,7 @@
             </a:r>
             <a:r>
               <a:rPr lang="en-US" sz="2000" dirty="0" smtClean="0"/>
-              <a:t>independent transcription terminators with different specificities in intermediate genes, that would produce </a:t>
-            </a:r>
-            <a:r>
-              <a:rPr lang="en-US" sz="2000" dirty="0" smtClean="0"/>
-              <a:t>different </a:t>
+              <a:t>independent transcription terminators with different specificities in intermediate genes, that would produce different </a:t>
             </a:r>
             <a:r>
               <a:rPr lang="en-US" sz="2000" dirty="0"/>
@@ -7341,19 +7271,7 @@
             </a:r>
             <a:r>
               <a:rPr lang="en-US" sz="2000" dirty="0" smtClean="0"/>
-              <a:t>for the genes in the operon. </a:t>
-            </a:r>
-            <a:r>
-              <a:rPr lang="en-US" sz="2000" dirty="0" smtClean="0"/>
-              <a:t>Not to mention the possible presence of regulatory </a:t>
-            </a:r>
-            <a:r>
-              <a:rPr lang="en-US" sz="2000" dirty="0" smtClean="0"/>
-              <a:t>regions in the </a:t>
-            </a:r>
-            <a:r>
-              <a:rPr lang="en-US" sz="2000" dirty="0" smtClean="0"/>
-              <a:t>genes.</a:t>
+              <a:t>for the genes in the operon. Not to mention the possible presence of regulatory regions in the genes.</a:t>
             </a:r>
           </a:p>
           <a:p>
@@ -7383,19 +7301,7 @@
             </a:pPr>
             <a:r>
               <a:rPr lang="en-US" sz="2000" dirty="0" smtClean="0"/>
-              <a:t>Functional descriptions can vary significantly within operons making it difficult to create associations, </a:t>
-            </a:r>
-            <a:r>
-              <a:rPr lang="en-US" sz="2000" dirty="0" smtClean="0"/>
-              <a:t>but </a:t>
-            </a:r>
-            <a:r>
-              <a:rPr lang="en-US" sz="2000" dirty="0" smtClean="0"/>
-              <a:t>it is definitely worth </a:t>
-            </a:r>
-            <a:r>
-              <a:rPr lang="en-US" sz="2000" dirty="0" smtClean="0"/>
-              <a:t>exploring.</a:t>
+              <a:t>Functional descriptions can vary significantly within operons making it difficult to create associations, but it is definitely worth exploring.</a:t>
             </a:r>
           </a:p>
           <a:p>
@@ -7412,7 +7318,6 @@
               <a:rPr lang="en-US" sz="2000" dirty="0" smtClean="0"/>
               <a:t>For most genomes there are few functional annotations.</a:t>
             </a:r>
-            <a:endParaRPr lang="en-US" sz="2000" dirty="0" smtClean="0"/>
           </a:p>
           <a:p>
             <a:pPr marL="342900" indent="-342900">
@@ -8046,22 +7951,7 @@
                   </a:outerShdw>
                 </a:effectLst>
               </a:rPr>
-              <a:t>What </a:t>
-            </a:r>
-            <a:r>
-              <a:rPr lang="en-US" b="1" dirty="0" smtClean="0">
-                <a:solidFill>
-                  <a:srgbClr val="002060"/>
-                </a:solidFill>
-                <a:effectLst>
-                  <a:outerShdw blurRad="38100" dist="38100" dir="2700000" algn="tl">
-                    <a:srgbClr val="000000">
-                      <a:alpha val="43137"/>
-                    </a:srgbClr>
-                  </a:outerShdw>
-                </a:effectLst>
-              </a:rPr>
-              <a:t>data can we use?</a:t>
+              <a:t>What data can we use?</a:t>
             </a:r>
             <a:endParaRPr lang="en-US" b="1" dirty="0">
               <a:solidFill>
@@ -8221,13 +8111,8 @@
             </a:pPr>
             <a:r>
               <a:rPr lang="en-US" sz="2200" dirty="0" smtClean="0"/>
-              <a:t>RegulonDB (curated database on transcriptional regulation</a:t>
-            </a:r>
-            <a:r>
-              <a:rPr lang="en-US" sz="2200" dirty="0" smtClean="0"/>
-              <a:t>).</a:t>
-            </a:r>
-            <a:endParaRPr lang="en-US" sz="2200" dirty="0" smtClean="0"/>
+              <a:t>RegulonDB (curated database on transcriptional regulation).</a:t>
+            </a:r>
           </a:p>
           <a:p>
             <a:pPr marL="342900" indent="-342900">
@@ -9590,22 +9475,7 @@
                   </a:outerShdw>
                 </a:effectLst>
               </a:rPr>
-              <a:t>Creating </a:t>
-            </a:r>
-            <a:r>
-              <a:rPr lang="en-US" b="1" dirty="0" smtClean="0">
-                <a:solidFill>
-                  <a:srgbClr val="002060"/>
-                </a:solidFill>
-                <a:effectLst>
-                  <a:outerShdw blurRad="38100" dist="38100" dir="2700000" algn="tl">
-                    <a:srgbClr val="000000">
-                      <a:alpha val="43137"/>
-                    </a:srgbClr>
-                  </a:outerShdw>
-                </a:effectLst>
-              </a:rPr>
-              <a:t>a predictive model</a:t>
+              <a:t>Creating a predictive model</a:t>
             </a:r>
             <a:endParaRPr lang="en-US" b="1" dirty="0">
               <a:solidFill>
@@ -9720,11 +9590,7 @@
             </a:pPr>
             <a:r>
               <a:rPr lang="en-US" sz="2800" b="1" dirty="0" smtClean="0"/>
-              <a:t>First we need to generate a </a:t>
-            </a:r>
-            <a:r>
-              <a:rPr lang="en-US" sz="2800" b="1" dirty="0" smtClean="0"/>
-              <a:t>hypothesis:</a:t>
+              <a:t>First we need to generate a hypothesis:</a:t>
             </a:r>
           </a:p>
           <a:p>
@@ -9737,23 +9603,7 @@
             </a:pPr>
             <a:r>
               <a:rPr lang="en-US" sz="2800" dirty="0" smtClean="0"/>
-              <a:t>The I</a:t>
-            </a:r>
-            <a:r>
-              <a:rPr lang="en-US" sz="2800" dirty="0" smtClean="0"/>
-              <a:t>ntergenic </a:t>
-            </a:r>
-            <a:r>
-              <a:rPr lang="en-US" sz="2800" dirty="0" smtClean="0"/>
-              <a:t>distance between adjacent genes in the same strand </a:t>
-            </a:r>
-            <a:r>
-              <a:rPr lang="en-US" sz="2800" dirty="0" smtClean="0"/>
-              <a:t>can be used to infer </a:t>
-            </a:r>
-            <a:r>
-              <a:rPr lang="en-US" sz="2800" dirty="0" smtClean="0"/>
-              <a:t>membership</a:t>
+              <a:t>The Intergenic distance between adjacent genes in the same strand can be used to infer membership</a:t>
             </a:r>
             <a:r>
               <a:rPr lang="en-US" sz="2800" dirty="0"/>
@@ -9761,13 +9611,8 @@
             </a:r>
             <a:r>
               <a:rPr lang="en-US" sz="2800" dirty="0" smtClean="0"/>
-              <a:t>to the same </a:t>
-            </a:r>
-            <a:r>
-              <a:rPr lang="en-US" sz="2800" dirty="0" smtClean="0"/>
-              <a:t>operon.</a:t>
-            </a:r>
-            <a:endParaRPr lang="en-US" sz="2800" dirty="0" smtClean="0"/>
+              <a:t>to the same operon.</a:t>
+            </a:r>
           </a:p>
           <a:p>
             <a:pPr marL="457200" indent="-457200">
@@ -9804,11 +9649,7 @@
             </a:pPr>
             <a:r>
               <a:rPr lang="en-US" sz="2800" dirty="0" smtClean="0"/>
-              <a:t>Intergenic distanc</a:t>
-            </a:r>
-            <a:r>
-              <a:rPr lang="en-US" sz="2800" dirty="0" smtClean="0"/>
-              <a:t>e is the most important variable in the identification of operons.</a:t>
+              <a:t>Intergenic distance is the most important variable in the identification of operons.</a:t>
             </a:r>
           </a:p>
           <a:p>
@@ -10708,7 +10549,7 @@
                         <m:dPr>
                           <m:ctrlPr>
                             <a:rPr lang="en-US" i="1" smtClean="0">
-                              <a:latin typeface="Cambria Math" panose="02040503050406030204" pitchFamily="18" charset="0"/>
+                              <a:latin typeface="Cambria Math" charset="0"/>
                             </a:rPr>
                           </m:ctrlPr>
                         </m:dPr>
@@ -10839,7 +10680,7 @@
                         <m:sSubPr>
                           <m:ctrlPr>
                             <a:rPr lang="en-US" i="1" smtClean="0">
-                              <a:latin typeface="Cambria Math" panose="02040503050406030204" pitchFamily="18" charset="0"/>
+                              <a:latin typeface="Cambria Math" charset="0"/>
                             </a:rPr>
                           </m:ctrlPr>
                         </m:sSubPr>
@@ -10864,7 +10705,7 @@
                         <m:dPr>
                           <m:ctrlPr>
                             <a:rPr lang="en-US" i="1" smtClean="0">
-                              <a:latin typeface="Cambria Math" panose="02040503050406030204" pitchFamily="18" charset="0"/>
+                              <a:latin typeface="Cambria Math" charset="0"/>
                             </a:rPr>
                           </m:ctrlPr>
                         </m:dPr>
@@ -11025,7 +10866,7 @@
                         <m:sSubPr>
                           <m:ctrlPr>
                             <a:rPr lang="en-US" i="1" smtClean="0">
-                              <a:latin typeface="Cambria Math" panose="02040503050406030204" pitchFamily="18" charset="0"/>
+                              <a:latin typeface="Cambria Math" charset="0"/>
                             </a:rPr>
                           </m:ctrlPr>
                         </m:sSubPr>
@@ -11050,7 +10891,7 @@
                         <m:dPr>
                           <m:ctrlPr>
                             <a:rPr lang="en-US" i="1" smtClean="0">
-                              <a:latin typeface="Cambria Math" panose="02040503050406030204" pitchFamily="18" charset="0"/>
+                              <a:latin typeface="Cambria Math" charset="0"/>
                             </a:rPr>
                           </m:ctrlPr>
                         </m:dPr>
@@ -11211,7 +11052,7 @@
                         <m:sSubPr>
                           <m:ctrlPr>
                             <a:rPr lang="en-US" i="1" smtClean="0">
-                              <a:latin typeface="Cambria Math" panose="02040503050406030204" pitchFamily="18" charset="0"/>
+                              <a:latin typeface="Cambria Math" charset="0"/>
                             </a:rPr>
                           </m:ctrlPr>
                         </m:sSubPr>
@@ -11350,7 +11191,7 @@
                         <m:sSubPr>
                           <m:ctrlPr>
                             <a:rPr lang="en-US" i="1" smtClean="0">
-                              <a:latin typeface="Cambria Math" panose="02040503050406030204" pitchFamily="18" charset="0"/>
+                              <a:latin typeface="Cambria Math" charset="0"/>
                             </a:rPr>
                           </m:ctrlPr>
                         </m:sSubPr>
@@ -12453,7 +12294,7 @@
                             <a:solidFill>
                               <a:srgbClr val="FF0000"/>
                             </a:solidFill>
-                            <a:latin typeface="Cambria Math" panose="02040503050406030204" pitchFamily="18" charset="0"/>
+                            <a:latin typeface="Cambria Math" charset="0"/>
                           </a:rPr>
                         </m:ctrlPr>
                       </m:sSubPr>
@@ -12513,7 +12354,7 @@
                             <a:solidFill>
                               <a:srgbClr val="FF0000"/>
                             </a:solidFill>
-                            <a:latin typeface="Cambria Math" panose="02040503050406030204" pitchFamily="18" charset="0"/>
+                            <a:latin typeface="Cambria Math" charset="0"/>
                           </a:rPr>
                         </m:ctrlPr>
                       </m:sSubPr>
@@ -12601,7 +12442,7 @@
                             <a:solidFill>
                               <a:srgbClr val="FF0000"/>
                             </a:solidFill>
-                            <a:latin typeface="Cambria Math" panose="02040503050406030204" pitchFamily="18" charset="0"/>
+                            <a:latin typeface="Cambria Math" charset="0"/>
                           </a:rPr>
                         </m:ctrlPr>
                       </m:sSubPr>
@@ -12661,7 +12502,7 @@
                             <a:solidFill>
                               <a:srgbClr val="FF0000"/>
                             </a:solidFill>
-                            <a:latin typeface="Cambria Math" panose="02040503050406030204" pitchFamily="18" charset="0"/>
+                            <a:latin typeface="Cambria Math" charset="0"/>
                           </a:rPr>
                         </m:ctrlPr>
                       </m:sSubPr>
@@ -13223,7 +13064,7 @@
                               <a:solidFill>
                                 <a:srgbClr val="FF0000"/>
                               </a:solidFill>
-                              <a:latin typeface="Cambria Math" panose="02040503050406030204" pitchFamily="18" charset="0"/>
+                              <a:latin typeface="Cambria Math" charset="0"/>
                             </a:rPr>
                           </m:ctrlPr>
                         </m:sSubPr>
@@ -13283,7 +13124,7 @@
                               <a:solidFill>
                                 <a:srgbClr val="FF0000"/>
                               </a:solidFill>
-                              <a:latin typeface="Cambria Math" panose="02040503050406030204" pitchFamily="18" charset="0"/>
+                              <a:latin typeface="Cambria Math" charset="0"/>
                             </a:rPr>
                           </m:ctrlPr>
                         </m:sSubPr>
@@ -13343,7 +13184,7 @@
                               <a:solidFill>
                                 <a:srgbClr val="1F3BFF"/>
                               </a:solidFill>
-                              <a:latin typeface="Cambria Math" panose="02040503050406030204" pitchFamily="18" charset="0"/>
+                              <a:latin typeface="Cambria Math" charset="0"/>
                             </a:rPr>
                           </m:ctrlPr>
                         </m:sSubPr>
@@ -13417,7 +13258,7 @@
                               <a:solidFill>
                                 <a:srgbClr val="FF0000"/>
                               </a:solidFill>
-                              <a:latin typeface="Cambria Math" panose="02040503050406030204" pitchFamily="18" charset="0"/>
+                              <a:latin typeface="Cambria Math" charset="0"/>
                             </a:rPr>
                           </m:ctrlPr>
                         </m:sSubPr>
@@ -13477,7 +13318,7 @@
                               <a:solidFill>
                                 <a:srgbClr val="FF0000"/>
                               </a:solidFill>
-                              <a:latin typeface="Cambria Math" panose="02040503050406030204" pitchFamily="18" charset="0"/>
+                              <a:latin typeface="Cambria Math" charset="0"/>
                             </a:rPr>
                           </m:ctrlPr>
                         </m:sSubPr>
@@ -14227,7 +14068,7 @@
                         <m:dPr>
                           <m:ctrlPr>
                             <a:rPr lang="en-US" i="1">
-                              <a:latin typeface="Cambria Math" panose="02040503050406030204" pitchFamily="18" charset="0"/>
+                              <a:latin typeface="Cambria Math" charset="0"/>
                             </a:rPr>
                           </m:ctrlPr>
                         </m:dPr>
@@ -14236,7 +14077,7 @@
                             <m:sSubPr>
                               <m:ctrlPr>
                                 <a:rPr lang="en-US" i="1">
-                                  <a:latin typeface="Cambria Math" panose="02040503050406030204" pitchFamily="18" charset="0"/>
+                                  <a:latin typeface="Cambria Math" charset="0"/>
                                 </a:rPr>
                               </m:ctrlPr>
                             </m:sSubPr>
@@ -14277,7 +14118,7 @@
                         <m:fPr>
                           <m:ctrlPr>
                             <a:rPr lang="en-US" b="0" i="1" smtClean="0">
-                              <a:latin typeface="Cambria Math" panose="02040503050406030204" pitchFamily="18" charset="0"/>
+                              <a:latin typeface="Cambria Math" charset="0"/>
                             </a:rPr>
                           </m:ctrlPr>
                         </m:fPr>
@@ -14298,7 +14139,7 @@
                             <m:sSubPr>
                               <m:ctrlPr>
                                 <a:rPr lang="en-US" i="1">
-                                  <a:latin typeface="Cambria Math" panose="02040503050406030204" pitchFamily="18" charset="0"/>
+                                  <a:latin typeface="Cambria Math" charset="0"/>
                                 </a:rPr>
                               </m:ctrlPr>
                             </m:sSubPr>
@@ -14455,7 +14296,7 @@
                         <m:dPr>
                           <m:ctrlPr>
                             <a:rPr lang="en-US" i="1">
-                              <a:latin typeface="Cambria Math" panose="02040503050406030204" pitchFamily="18" charset="0"/>
+                              <a:latin typeface="Cambria Math" charset="0"/>
                             </a:rPr>
                           </m:ctrlPr>
                         </m:dPr>
@@ -14472,7 +14313,7 @@
                             <m:sSubPr>
                               <m:ctrlPr>
                                 <a:rPr lang="en-US" i="1" smtClean="0">
-                                  <a:latin typeface="Cambria Math" panose="02040503050406030204" pitchFamily="18" charset="0"/>
+                                  <a:latin typeface="Cambria Math" charset="0"/>
                                 </a:rPr>
                               </m:ctrlPr>
                             </m:sSubPr>
@@ -14505,7 +14346,7 @@
                         <m:fPr>
                           <m:ctrlPr>
                             <a:rPr lang="en-US" b="0" i="1" smtClean="0">
-                              <a:latin typeface="Cambria Math" panose="02040503050406030204" pitchFamily="18" charset="0"/>
+                              <a:latin typeface="Cambria Math" charset="0"/>
                             </a:rPr>
                           </m:ctrlPr>
                         </m:fPr>
@@ -14539,7 +14380,7 @@
                             <m:sSubPr>
                               <m:ctrlPr>
                                 <a:rPr lang="en-US" i="1" smtClean="0">
-                                  <a:latin typeface="Cambria Math" panose="02040503050406030204" pitchFamily="18" charset="0"/>
+                                  <a:latin typeface="Cambria Math" charset="0"/>
                                   <a:ea typeface="Cambria Math" panose="02040503050406030204" pitchFamily="18" charset="0"/>
                                 </a:rPr>
                               </m:ctrlPr>
@@ -14588,7 +14429,7 @@
                             <m:sSubPr>
                               <m:ctrlPr>
                                 <a:rPr lang="en-US" b="0" i="1" smtClean="0">
-                                  <a:latin typeface="Cambria Math" panose="02040503050406030204" pitchFamily="18" charset="0"/>
+                                  <a:latin typeface="Cambria Math" charset="0"/>
                                 </a:rPr>
                               </m:ctrlPr>
                             </m:sSubPr>
@@ -14723,7 +14564,7 @@
                         <m:sSubPr>
                           <m:ctrlPr>
                             <a:rPr lang="en-US" b="0" i="1" smtClean="0">
-                              <a:latin typeface="Cambria Math" panose="02040503050406030204" pitchFamily="18" charset="0"/>
+                              <a:latin typeface="Cambria Math" charset="0"/>
                               <a:ea typeface="Cambria Math" panose="02040503050406030204" pitchFamily="18" charset="0"/>
                             </a:rPr>
                           </m:ctrlPr>
@@ -14770,7 +14611,7 @@
                         <m:dPr>
                           <m:ctrlPr>
                             <a:rPr lang="en-US" i="1">
-                              <a:latin typeface="Cambria Math" panose="02040503050406030204" pitchFamily="18" charset="0"/>
+                              <a:latin typeface="Cambria Math" charset="0"/>
                             </a:rPr>
                           </m:ctrlPr>
                         </m:dPr>
@@ -14787,7 +14628,7 @@
                             <m:sSubPr>
                               <m:ctrlPr>
                                 <a:rPr lang="en-US" i="1">
-                                  <a:latin typeface="Cambria Math" panose="02040503050406030204" pitchFamily="18" charset="0"/>
+                                  <a:latin typeface="Cambria Math" charset="0"/>
                                   <a:ea typeface="Cambria Math" panose="02040503050406030204" pitchFamily="18" charset="0"/>
                                 </a:rPr>
                               </m:ctrlPr>
@@ -14831,7 +14672,7 @@
                         <m:sSubPr>
                           <m:ctrlPr>
                             <a:rPr lang="en-US" b="0" i="1" smtClean="0">
-                              <a:latin typeface="Cambria Math" panose="02040503050406030204" pitchFamily="18" charset="0"/>
+                              <a:latin typeface="Cambria Math" charset="0"/>
                               <a:ea typeface="Cambria Math" panose="02040503050406030204" pitchFamily="18" charset="0"/>
                             </a:rPr>
                           </m:ctrlPr>
@@ -14955,7 +14796,7 @@
                         <m:sSubPr>
                           <m:ctrlPr>
                             <a:rPr lang="en-US" b="0" i="1" smtClean="0">
-                              <a:latin typeface="Cambria Math" panose="02040503050406030204" pitchFamily="18" charset="0"/>
+                              <a:latin typeface="Cambria Math" charset="0"/>
                             </a:rPr>
                           </m:ctrlPr>
                         </m:sSubPr>
@@ -15026,7 +14867,7 @@
                         <m:sSubPr>
                           <m:ctrlPr>
                             <a:rPr lang="en-US" i="1">
-                              <a:latin typeface="Cambria Math" panose="02040503050406030204" pitchFamily="18" charset="0"/>
+                              <a:latin typeface="Cambria Math" charset="0"/>
                               <a:ea typeface="Cambria Math" panose="02040503050406030204" pitchFamily="18" charset="0"/>
                             </a:rPr>
                           </m:ctrlPr>
@@ -15144,7 +14985,7 @@
                         <m:dPr>
                           <m:ctrlPr>
                             <a:rPr lang="en-US" i="1">
-                              <a:latin typeface="Cambria Math" panose="02040503050406030204" pitchFamily="18" charset="0"/>
+                              <a:latin typeface="Cambria Math" charset="0"/>
                             </a:rPr>
                           </m:ctrlPr>
                         </m:dPr>
@@ -15153,7 +14994,7 @@
                             <m:sSubPr>
                               <m:ctrlPr>
                                 <a:rPr lang="en-US" i="1">
-                                  <a:latin typeface="Cambria Math" panose="02040503050406030204" pitchFamily="18" charset="0"/>
+                                  <a:latin typeface="Cambria Math" charset="0"/>
                                 </a:rPr>
                               </m:ctrlPr>
                             </m:sSubPr>
@@ -15194,7 +15035,7 @@
                         <m:fPr>
                           <m:ctrlPr>
                             <a:rPr lang="en-US" b="0" i="1" smtClean="0">
-                              <a:latin typeface="Cambria Math" panose="02040503050406030204" pitchFamily="18" charset="0"/>
+                              <a:latin typeface="Cambria Math" charset="0"/>
                             </a:rPr>
                           </m:ctrlPr>
                         </m:fPr>
@@ -15209,7 +15050,7 @@
                             <m:dPr>
                               <m:ctrlPr>
                                 <a:rPr lang="en-US" i="1">
-                                  <a:latin typeface="Cambria Math" panose="02040503050406030204" pitchFamily="18" charset="0"/>
+                                  <a:latin typeface="Cambria Math" charset="0"/>
                                 </a:rPr>
                               </m:ctrlPr>
                             </m:dPr>
@@ -15226,7 +15067,7 @@
                                 <m:sSubPr>
                                   <m:ctrlPr>
                                     <a:rPr lang="en-US" i="1">
-                                      <a:latin typeface="Cambria Math" panose="02040503050406030204" pitchFamily="18" charset="0"/>
+                                      <a:latin typeface="Cambria Math" charset="0"/>
                                       <a:ea typeface="Cambria Math" panose="02040503050406030204" pitchFamily="18" charset="0"/>
                                     </a:rPr>
                                   </m:ctrlPr>
@@ -15270,7 +15111,7 @@
                             <m:sSubPr>
                               <m:ctrlPr>
                                 <a:rPr lang="en-US" i="1">
-                                  <a:latin typeface="Cambria Math" panose="02040503050406030204" pitchFamily="18" charset="0"/>
+                                  <a:latin typeface="Cambria Math" charset="0"/>
                                   <a:ea typeface="Cambria Math" panose="02040503050406030204" pitchFamily="18" charset="0"/>
                                 </a:rPr>
                               </m:ctrlPr>
@@ -15423,7 +15264,7 @@
                         <m:dPr>
                           <m:ctrlPr>
                             <a:rPr lang="en-US" i="1">
-                              <a:latin typeface="Cambria Math" panose="02040503050406030204" pitchFamily="18" charset="0"/>
+                              <a:latin typeface="Cambria Math" charset="0"/>
                             </a:rPr>
                           </m:ctrlPr>
                         </m:dPr>
@@ -15447,7 +15288,7 @@
                           <m:chr m:val="⋃"/>
                           <m:ctrlPr>
                             <a:rPr lang="en-US" b="0" i="1" smtClean="0">
-                              <a:latin typeface="Cambria Math" panose="02040503050406030204" pitchFamily="18" charset="0"/>
+                              <a:latin typeface="Cambria Math" charset="0"/>
                             </a:rPr>
                           </m:ctrlPr>
                         </m:naryPr>
@@ -15487,7 +15328,7 @@
                             <m:dPr>
                               <m:ctrlPr>
                                 <a:rPr lang="en-US" i="1">
-                                  <a:latin typeface="Cambria Math" panose="02040503050406030204" pitchFamily="18" charset="0"/>
+                                  <a:latin typeface="Cambria Math" charset="0"/>
                                 </a:rPr>
                               </m:ctrlPr>
                             </m:dPr>
@@ -15509,7 +15350,7 @@
                                 <m:sSubPr>
                                   <m:ctrlPr>
                                     <a:rPr lang="en-US" i="1" smtClean="0">
-                                      <a:latin typeface="Cambria Math" panose="02040503050406030204" pitchFamily="18" charset="0"/>
+                                      <a:latin typeface="Cambria Math" charset="0"/>
                                       <a:ea typeface="Cambria Math" panose="02040503050406030204" pitchFamily="18" charset="0"/>
                                     </a:rPr>
                                   </m:ctrlPr>
@@ -15624,7 +15465,7 @@
                         <m:dPr>
                           <m:ctrlPr>
                             <a:rPr lang="en-US" i="1">
-                              <a:latin typeface="Cambria Math" panose="02040503050406030204" pitchFamily="18" charset="0"/>
+                              <a:latin typeface="Cambria Math" charset="0"/>
                             </a:rPr>
                           </m:ctrlPr>
                         </m:dPr>
@@ -15633,7 +15474,7 @@
                             <m:sSubPr>
                               <m:ctrlPr>
                                 <a:rPr lang="en-US" i="1">
-                                  <a:latin typeface="Cambria Math" panose="02040503050406030204" pitchFamily="18" charset="0"/>
+                                  <a:latin typeface="Cambria Math" charset="0"/>
                                 </a:rPr>
                               </m:ctrlPr>
                             </m:sSubPr>
@@ -15674,7 +15515,7 @@
                         <m:fPr>
                           <m:ctrlPr>
                             <a:rPr lang="en-US" b="0" i="1" smtClean="0">
-                              <a:latin typeface="Cambria Math" panose="02040503050406030204" pitchFamily="18" charset="0"/>
+                              <a:latin typeface="Cambria Math" charset="0"/>
                             </a:rPr>
                           </m:ctrlPr>
                         </m:fPr>
@@ -15689,7 +15530,7 @@
                             <m:dPr>
                               <m:ctrlPr>
                                 <a:rPr lang="en-US" i="1">
-                                  <a:latin typeface="Cambria Math" panose="02040503050406030204" pitchFamily="18" charset="0"/>
+                                  <a:latin typeface="Cambria Math" charset="0"/>
                                 </a:rPr>
                               </m:ctrlPr>
                             </m:dPr>
@@ -15706,7 +15547,7 @@
                                 <m:sSubPr>
                                   <m:ctrlPr>
                                     <a:rPr lang="en-US" i="1">
-                                      <a:latin typeface="Cambria Math" panose="02040503050406030204" pitchFamily="18" charset="0"/>
+                                      <a:latin typeface="Cambria Math" charset="0"/>
                                       <a:ea typeface="Cambria Math" panose="02040503050406030204" pitchFamily="18" charset="0"/>
                                     </a:rPr>
                                   </m:ctrlPr>
@@ -15750,7 +15591,7 @@
                             <m:sSubPr>
                               <m:ctrlPr>
                                 <a:rPr lang="en-US" i="1">
-                                  <a:latin typeface="Cambria Math" panose="02040503050406030204" pitchFamily="18" charset="0"/>
+                                  <a:latin typeface="Cambria Math" charset="0"/>
                                   <a:ea typeface="Cambria Math" panose="02040503050406030204" pitchFamily="18" charset="0"/>
                                 </a:rPr>
                               </m:ctrlPr>
@@ -15795,7 +15636,7 @@
                               <m:chr m:val="⋃"/>
                               <m:ctrlPr>
                                 <a:rPr lang="en-US" i="1">
-                                  <a:latin typeface="Cambria Math" panose="02040503050406030204" pitchFamily="18" charset="0"/>
+                                  <a:latin typeface="Cambria Math" charset="0"/>
                                   <a:ea typeface="Cambria Math" panose="02040503050406030204" pitchFamily="18" charset="0"/>
                                 </a:rPr>
                               </m:ctrlPr>
@@ -15839,7 +15680,7 @@
                                 <m:dPr>
                                   <m:ctrlPr>
                                     <a:rPr lang="en-US" i="1">
-                                      <a:latin typeface="Cambria Math" panose="02040503050406030204" pitchFamily="18" charset="0"/>
+                                      <a:latin typeface="Cambria Math" charset="0"/>
                                     </a:rPr>
                                   </m:ctrlPr>
                                 </m:dPr>
@@ -15856,7 +15697,7 @@
                                     <m:sSubPr>
                                       <m:ctrlPr>
                                         <a:rPr lang="en-US" i="1">
-                                          <a:latin typeface="Cambria Math" panose="02040503050406030204" pitchFamily="18" charset="0"/>
+                                          <a:latin typeface="Cambria Math" charset="0"/>
                                           <a:ea typeface="Cambria Math" panose="02040503050406030204" pitchFamily="18" charset="0"/>
                                         </a:rPr>
                                       </m:ctrlPr>
@@ -15900,7 +15741,7 @@
                                 <m:sSubPr>
                                   <m:ctrlPr>
                                     <a:rPr lang="en-US" i="1">
-                                      <a:latin typeface="Cambria Math" panose="02040503050406030204" pitchFamily="18" charset="0"/>
+                                      <a:latin typeface="Cambria Math" charset="0"/>
                                       <a:ea typeface="Cambria Math" panose="02040503050406030204" pitchFamily="18" charset="0"/>
                                     </a:rPr>
                                   </m:ctrlPr>
@@ -16029,7 +15870,7 @@
                         <m:dPr>
                           <m:ctrlPr>
                             <a:rPr lang="en-US" b="1" i="1">
-                              <a:latin typeface="Cambria Math" panose="02040503050406030204" pitchFamily="18" charset="0"/>
+                              <a:latin typeface="Cambria Math" charset="0"/>
                             </a:rPr>
                           </m:ctrlPr>
                         </m:dPr>
@@ -16038,7 +15879,7 @@
                             <m:sSubPr>
                               <m:ctrlPr>
                                 <a:rPr lang="en-US" b="1" i="1">
-                                  <a:latin typeface="Cambria Math" panose="02040503050406030204" pitchFamily="18" charset="0"/>
+                                  <a:latin typeface="Cambria Math" charset="0"/>
                                 </a:rPr>
                               </m:ctrlPr>
                             </m:sSubPr>
@@ -16079,7 +15920,7 @@
                         <m:fPr>
                           <m:ctrlPr>
                             <a:rPr lang="en-US" b="1" i="1" smtClean="0">
-                              <a:latin typeface="Cambria Math" panose="02040503050406030204" pitchFamily="18" charset="0"/>
+                              <a:latin typeface="Cambria Math" charset="0"/>
                             </a:rPr>
                           </m:ctrlPr>
                         </m:fPr>
@@ -16094,7 +15935,7 @@
                             <m:dPr>
                               <m:ctrlPr>
                                 <a:rPr lang="en-US" b="1" i="1">
-                                  <a:latin typeface="Cambria Math" panose="02040503050406030204" pitchFamily="18" charset="0"/>
+                                  <a:latin typeface="Cambria Math" charset="0"/>
                                 </a:rPr>
                               </m:ctrlPr>
                             </m:dPr>
@@ -16111,7 +15952,7 @@
                                 <m:sSubPr>
                                   <m:ctrlPr>
                                     <a:rPr lang="en-US" b="1" i="1">
-                                      <a:latin typeface="Cambria Math" panose="02040503050406030204" pitchFamily="18" charset="0"/>
+                                      <a:latin typeface="Cambria Math" charset="0"/>
                                       <a:ea typeface="Cambria Math" panose="02040503050406030204" pitchFamily="18" charset="0"/>
                                     </a:rPr>
                                   </m:ctrlPr>
@@ -16155,7 +15996,7 @@
                             <m:sSubPr>
                               <m:ctrlPr>
                                 <a:rPr lang="en-US" b="1" i="1">
-                                  <a:latin typeface="Cambria Math" panose="02040503050406030204" pitchFamily="18" charset="0"/>
+                                  <a:latin typeface="Cambria Math" charset="0"/>
                                   <a:ea typeface="Cambria Math" panose="02040503050406030204" pitchFamily="18" charset="0"/>
                                 </a:rPr>
                               </m:ctrlPr>
@@ -16200,7 +16041,7 @@
                               <m:chr m:val="∑"/>
                               <m:ctrlPr>
                                 <a:rPr lang="en-US" b="1" i="1" smtClean="0">
-                                  <a:latin typeface="Cambria Math" panose="02040503050406030204" pitchFamily="18" charset="0"/>
+                                  <a:latin typeface="Cambria Math" charset="0"/>
                                 </a:rPr>
                               </m:ctrlPr>
                             </m:naryPr>
@@ -16246,7 +16087,7 @@
                                 <m:dPr>
                                   <m:ctrlPr>
                                     <a:rPr lang="en-US" b="1" i="1">
-                                      <a:latin typeface="Cambria Math" panose="02040503050406030204" pitchFamily="18" charset="0"/>
+                                      <a:latin typeface="Cambria Math" charset="0"/>
                                     </a:rPr>
                                   </m:ctrlPr>
                                 </m:dPr>
@@ -16263,7 +16104,7 @@
                                     <m:sSubPr>
                                       <m:ctrlPr>
                                         <a:rPr lang="en-US" b="1" i="1">
-                                          <a:latin typeface="Cambria Math" panose="02040503050406030204" pitchFamily="18" charset="0"/>
+                                          <a:latin typeface="Cambria Math" charset="0"/>
                                           <a:ea typeface="Cambria Math" panose="02040503050406030204" pitchFamily="18" charset="0"/>
                                         </a:rPr>
                                       </m:ctrlPr>
@@ -16307,7 +16148,7 @@
                                 <m:sSubPr>
                                   <m:ctrlPr>
                                     <a:rPr lang="en-US" b="1" i="1">
-                                      <a:latin typeface="Cambria Math" panose="02040503050406030204" pitchFamily="18" charset="0"/>
+                                      <a:latin typeface="Cambria Math" charset="0"/>
                                       <a:ea typeface="Cambria Math" panose="02040503050406030204" pitchFamily="18" charset="0"/>
                                     </a:rPr>
                                   </m:ctrlPr>
@@ -16424,7 +16265,7 @@
                       <m:dPr>
                         <m:ctrlPr>
                           <a:rPr lang="en-US" b="1" i="1">
-                            <a:latin typeface="Cambria Math" panose="02040503050406030204" pitchFamily="18" charset="0"/>
+                            <a:latin typeface="Cambria Math" charset="0"/>
                           </a:rPr>
                         </m:ctrlPr>
                       </m:dPr>
@@ -16433,7 +16274,7 @@
                           <m:sSubPr>
                             <m:ctrlPr>
                               <a:rPr lang="en-US" b="1" i="1">
-                                <a:latin typeface="Cambria Math" panose="02040503050406030204" pitchFamily="18" charset="0"/>
+                                <a:latin typeface="Cambria Math" charset="0"/>
                               </a:rPr>
                             </m:ctrlPr>
                           </m:sSubPr>
@@ -16548,7 +16389,7 @@
                       <m:sSubPr>
                         <m:ctrlPr>
                           <a:rPr lang="en-US" b="1" i="1">
-                            <a:latin typeface="Cambria Math" panose="02040503050406030204" pitchFamily="18" charset="0"/>
+                            <a:latin typeface="Cambria Math" charset="0"/>
                           </a:rPr>
                         </m:ctrlPr>
                       </m:sSubPr>
@@ -16668,7 +16509,7 @@
                       <m:dPr>
                         <m:ctrlPr>
                           <a:rPr lang="en-US" b="1" i="1">
-                            <a:latin typeface="Cambria Math" panose="02040503050406030204" pitchFamily="18" charset="0"/>
+                            <a:latin typeface="Cambria Math" charset="0"/>
                           </a:rPr>
                         </m:ctrlPr>
                       </m:dPr>
@@ -16685,7 +16526,7 @@
                           <m:sSubPr>
                             <m:ctrlPr>
                               <a:rPr lang="en-US" b="1" i="1">
-                                <a:latin typeface="Cambria Math" panose="02040503050406030204" pitchFamily="18" charset="0"/>
+                                <a:latin typeface="Cambria Math" charset="0"/>
                                 <a:ea typeface="Cambria Math" panose="02040503050406030204" pitchFamily="18" charset="0"/>
                               </a:rPr>
                             </m:ctrlPr>
@@ -16817,7 +16658,7 @@
                       <m:sSubPr>
                         <m:ctrlPr>
                           <a:rPr lang="en-US" b="1" i="1">
-                            <a:latin typeface="Cambria Math" panose="02040503050406030204" pitchFamily="18" charset="0"/>
+                            <a:latin typeface="Cambria Math" charset="0"/>
                           </a:rPr>
                         </m:ctrlPr>
                       </m:sSubPr>
@@ -16925,7 +16766,7 @@
                         <m:dPr>
                           <m:ctrlPr>
                             <a:rPr lang="en-US" b="1" i="1">
-                              <a:latin typeface="Cambria Math" panose="02040503050406030204" pitchFamily="18" charset="0"/>
+                              <a:latin typeface="Cambria Math" charset="0"/>
                               <a:ea typeface="Cambria Math" panose="02040503050406030204" pitchFamily="18" charset="0"/>
                             </a:rPr>
                           </m:ctrlPr>
@@ -16935,7 +16776,7 @@
                             <m:sSubPr>
                               <m:ctrlPr>
                                 <a:rPr lang="en-US" b="1" i="1">
-                                  <a:latin typeface="Cambria Math" panose="02040503050406030204" pitchFamily="18" charset="0"/>
+                                  <a:latin typeface="Cambria Math" charset="0"/>
                                   <a:ea typeface="Cambria Math" panose="02040503050406030204" pitchFamily="18" charset="0"/>
                                 </a:rPr>
                               </m:ctrlPr>
@@ -17056,7 +16897,7 @@
                       <m:sSubPr>
                         <m:ctrlPr>
                           <a:rPr lang="en-US" b="1" i="1">
-                            <a:latin typeface="Cambria Math" panose="02040503050406030204" pitchFamily="18" charset="0"/>
+                            <a:latin typeface="Cambria Math" charset="0"/>
                           </a:rPr>
                         </m:ctrlPr>
                       </m:sSubPr>
@@ -17164,7 +17005,7 @@
                           <m:chr m:val="⋃"/>
                           <m:ctrlPr>
                             <a:rPr lang="en-US" i="1">
-                              <a:latin typeface="Cambria Math" panose="02040503050406030204" pitchFamily="18" charset="0"/>
+                              <a:latin typeface="Cambria Math" charset="0"/>
                               <a:ea typeface="Cambria Math" panose="02040503050406030204" pitchFamily="18" charset="0"/>
                             </a:rPr>
                           </m:ctrlPr>
@@ -17208,7 +17049,7 @@
                             <m:dPr>
                               <m:ctrlPr>
                                 <a:rPr lang="en-US" i="1">
-                                  <a:latin typeface="Cambria Math" panose="02040503050406030204" pitchFamily="18" charset="0"/>
+                                  <a:latin typeface="Cambria Math" charset="0"/>
                                 </a:rPr>
                               </m:ctrlPr>
                             </m:dPr>
@@ -17225,7 +17066,7 @@
                                 <m:sSubPr>
                                   <m:ctrlPr>
                                     <a:rPr lang="en-US" i="1">
-                                      <a:latin typeface="Cambria Math" panose="02040503050406030204" pitchFamily="18" charset="0"/>
+                                      <a:latin typeface="Cambria Math" charset="0"/>
                                       <a:ea typeface="Cambria Math" panose="02040503050406030204" pitchFamily="18" charset="0"/>
                                     </a:rPr>
                                   </m:ctrlPr>
@@ -17269,7 +17110,7 @@
                             <m:sSubPr>
                               <m:ctrlPr>
                                 <a:rPr lang="en-US" i="1">
-                                  <a:latin typeface="Cambria Math" panose="02040503050406030204" pitchFamily="18" charset="0"/>
+                                  <a:latin typeface="Cambria Math" charset="0"/>
                                   <a:ea typeface="Cambria Math" panose="02040503050406030204" pitchFamily="18" charset="0"/>
                                 </a:rPr>
                               </m:ctrlPr>
@@ -19024,8 +18865,8 @@
           </p:txBody>
         </p:sp>
       </p:grpSp>
-      <mc:AlternateContent xmlns:mc="http://schemas.openxmlformats.org/markup-compatibility/2006">
-        <mc:Choice xmlns:a14="http://schemas.microsoft.com/office/drawing/2010/main" Requires="a14">
+      <mc:AlternateContent xmlns:mc="http://schemas.openxmlformats.org/markup-compatibility/2006" xmlns:a14="http://schemas.microsoft.com/office/drawing/2010/main">
+        <mc:Choice Requires="a14">
           <p:sp>
             <p:nvSpPr>
               <p:cNvPr id="17" name="TextBox 16"/>
@@ -19062,7 +18903,7 @@
                               <a:solidFill>
                                 <a:srgbClr val="00B050"/>
                               </a:solidFill>
-                              <a:latin typeface="Cambria Math" panose="02040503050406030204" pitchFamily="18" charset="0"/>
+                              <a:latin typeface="Cambria Math" charset="0"/>
                             </a:rPr>
                           </m:ctrlPr>
                         </m:sSubPr>
@@ -19099,7 +18940,7 @@
                         <m:sSubPr>
                           <m:ctrlPr>
                             <a:rPr lang="en-US" i="1" smtClean="0">
-                              <a:latin typeface="Cambria Math" panose="02040503050406030204" pitchFamily="18" charset="0"/>
+                              <a:latin typeface="Cambria Math" charset="0"/>
                             </a:rPr>
                           </m:ctrlPr>
                         </m:sSubPr>
@@ -19140,7 +18981,7 @@
             </p:txBody>
           </p:sp>
         </mc:Choice>
-        <mc:Fallback>
+        <mc:Fallback xmlns="">
           <p:sp>
             <p:nvSpPr>
               <p:cNvPr id="17" name="TextBox 16"/>
@@ -19179,8 +19020,8 @@
           </p:sp>
         </mc:Fallback>
       </mc:AlternateContent>
-      <mc:AlternateContent xmlns:mc="http://schemas.openxmlformats.org/markup-compatibility/2006">
-        <mc:Choice xmlns:a14="http://schemas.microsoft.com/office/drawing/2010/main" Requires="a14">
+      <mc:AlternateContent xmlns:mc="http://schemas.openxmlformats.org/markup-compatibility/2006" xmlns:a14="http://schemas.microsoft.com/office/drawing/2010/main">
+        <mc:Choice Requires="a14">
           <p:sp>
             <p:nvSpPr>
               <p:cNvPr id="18" name="TextBox 17"/>
@@ -19217,7 +19058,7 @@
                               <a:solidFill>
                                 <a:srgbClr val="FF0000"/>
                               </a:solidFill>
-                              <a:latin typeface="Cambria Math" panose="02040503050406030204" pitchFamily="18" charset="0"/>
+                              <a:latin typeface="Cambria Math" charset="0"/>
                             </a:rPr>
                           </m:ctrlPr>
                         </m:sSubPr>
@@ -19254,7 +19095,7 @@
                         <m:sSubPr>
                           <m:ctrlPr>
                             <a:rPr lang="en-US" i="1" smtClean="0">
-                              <a:latin typeface="Cambria Math" panose="02040503050406030204" pitchFamily="18" charset="0"/>
+                              <a:latin typeface="Cambria Math" charset="0"/>
                             </a:rPr>
                           </m:ctrlPr>
                         </m:sSubPr>
@@ -19295,7 +19136,7 @@
             </p:txBody>
           </p:sp>
         </mc:Choice>
-        <mc:Fallback>
+        <mc:Fallback xmlns="">
           <p:sp>
             <p:nvSpPr>
               <p:cNvPr id="18" name="TextBox 17"/>
@@ -19364,8 +19205,8 @@
           </a:p>
         </p:txBody>
       </p:sp>
-      <mc:AlternateContent xmlns:mc="http://schemas.openxmlformats.org/markup-compatibility/2006">
-        <mc:Choice xmlns:a14="http://schemas.microsoft.com/office/drawing/2010/main" Requires="a14">
+      <mc:AlternateContent xmlns:mc="http://schemas.openxmlformats.org/markup-compatibility/2006" xmlns:a14="http://schemas.microsoft.com/office/drawing/2010/main">
+        <mc:Choice Requires="a14">
           <p:sp>
             <p:nvSpPr>
               <p:cNvPr id="21" name="TextBox 20"/>
@@ -19414,7 +19255,7 @@
                               <a:solidFill>
                                 <a:srgbClr val="00B050"/>
                               </a:solidFill>
-                              <a:latin typeface="Cambria Math" panose="02040503050406030204" pitchFamily="18" charset="0"/>
+                              <a:latin typeface="Cambria Math" charset="0"/>
                             </a:rPr>
                           </m:ctrlPr>
                         </m:sSubPr>
@@ -19451,7 +19292,7 @@
                         <m:sSubPr>
                           <m:ctrlPr>
                             <a:rPr lang="en-US" sz="1600" b="0" i="1" smtClean="0">
-                              <a:latin typeface="Cambria Math" panose="02040503050406030204" pitchFamily="18" charset="0"/>
+                              <a:latin typeface="Cambria Math" charset="0"/>
                             </a:rPr>
                           </m:ctrlPr>
                         </m:sSubPr>
@@ -19510,7 +19351,7 @@
             </p:txBody>
           </p:sp>
         </mc:Choice>
-        <mc:Fallback>
+        <mc:Fallback xmlns="">
           <p:sp>
             <p:nvSpPr>
               <p:cNvPr id="21" name="TextBox 20"/>
@@ -19579,8 +19420,8 @@
           </a:p>
         </p:txBody>
       </p:sp>
-      <mc:AlternateContent xmlns:mc="http://schemas.openxmlformats.org/markup-compatibility/2006">
-        <mc:Choice xmlns:a14="http://schemas.microsoft.com/office/drawing/2010/main" Requires="a14">
+      <mc:AlternateContent xmlns:mc="http://schemas.openxmlformats.org/markup-compatibility/2006" xmlns:a14="http://schemas.microsoft.com/office/drawing/2010/main">
+        <mc:Choice Requires="a14">
           <p:sp>
             <p:nvSpPr>
               <p:cNvPr id="22" name="TextBox 21"/>
@@ -19620,7 +19461,7 @@
                         <m:dPr>
                           <m:ctrlPr>
                             <a:rPr lang="en-US" b="0" i="1" smtClean="0">
-                              <a:latin typeface="Cambria Math" panose="02040503050406030204" pitchFamily="18" charset="0"/>
+                              <a:latin typeface="Cambria Math" charset="0"/>
                             </a:rPr>
                           </m:ctrlPr>
                         </m:dPr>
@@ -19632,7 +19473,7 @@
                                   <a:solidFill>
                                     <a:srgbClr val="00B050"/>
                                   </a:solidFill>
-                                  <a:latin typeface="Cambria Math" panose="02040503050406030204" pitchFamily="18" charset="0"/>
+                                  <a:latin typeface="Cambria Math" charset="0"/>
                                 </a:rPr>
                               </m:ctrlPr>
                             </m:sSubPr>
@@ -19665,7 +19506,7 @@
                             <m:sSubPr>
                               <m:ctrlPr>
                                 <a:rPr lang="en-US" b="0" i="1" smtClean="0">
-                                  <a:latin typeface="Cambria Math" panose="02040503050406030204" pitchFamily="18" charset="0"/>
+                                  <a:latin typeface="Cambria Math" charset="0"/>
                                 </a:rPr>
                               </m:ctrlPr>
                             </m:sSubPr>
@@ -19722,7 +19563,7 @@
                         <m:fPr>
                           <m:ctrlPr>
                             <a:rPr lang="en-US" b="0" i="1" smtClean="0">
-                              <a:latin typeface="Cambria Math" panose="02040503050406030204" pitchFamily="18" charset="0"/>
+                              <a:latin typeface="Cambria Math" charset="0"/>
                             </a:rPr>
                           </m:ctrlPr>
                         </m:fPr>
@@ -19737,7 +19578,7 @@
                             <m:dPr>
                               <m:ctrlPr>
                                 <a:rPr lang="en-US" b="0" i="1" smtClean="0">
-                                  <a:latin typeface="Cambria Math" panose="02040503050406030204" pitchFamily="18" charset="0"/>
+                                  <a:latin typeface="Cambria Math" charset="0"/>
                                 </a:rPr>
                               </m:ctrlPr>
                             </m:dPr>
@@ -19746,7 +19587,7 @@
                                 <m:sSubPr>
                                   <m:ctrlPr>
                                     <a:rPr lang="en-US" b="0" i="1" smtClean="0">
-                                      <a:latin typeface="Cambria Math" panose="02040503050406030204" pitchFamily="18" charset="0"/>
+                                      <a:latin typeface="Cambria Math" charset="0"/>
                                     </a:rPr>
                                   </m:ctrlPr>
                                 </m:sSubPr>
@@ -19800,7 +19641,7 @@
                                       <a:solidFill>
                                         <a:srgbClr val="00B050"/>
                                       </a:solidFill>
-                                      <a:latin typeface="Cambria Math" panose="02040503050406030204" pitchFamily="18" charset="0"/>
+                                      <a:latin typeface="Cambria Math" charset="0"/>
                                     </a:rPr>
                                   </m:ctrlPr>
                                 </m:sSubPr>
@@ -19845,7 +19686,7 @@
                             <m:sSubPr>
                               <m:ctrlPr>
                                 <a:rPr lang="en-US" i="1">
-                                  <a:latin typeface="Cambria Math" panose="02040503050406030204" pitchFamily="18" charset="0"/>
+                                  <a:latin typeface="Cambria Math" charset="0"/>
                                 </a:rPr>
                               </m:ctrlPr>
                             </m:sSubPr>
@@ -19885,7 +19726,7 @@
                               <m:chr m:val="∑"/>
                               <m:ctrlPr>
                                 <a:rPr lang="en-US" b="0" i="1" smtClean="0">
-                                  <a:latin typeface="Cambria Math" panose="02040503050406030204" pitchFamily="18" charset="0"/>
+                                  <a:latin typeface="Cambria Math" charset="0"/>
                                 </a:rPr>
                               </m:ctrlPr>
                             </m:naryPr>
@@ -19925,7 +19766,7 @@
                                 <m:dPr>
                                   <m:ctrlPr>
                                     <a:rPr lang="en-US" i="1">
-                                      <a:latin typeface="Cambria Math" panose="02040503050406030204" pitchFamily="18" charset="0"/>
+                                      <a:latin typeface="Cambria Math" charset="0"/>
                                     </a:rPr>
                                   </m:ctrlPr>
                                 </m:dPr>
@@ -19934,7 +19775,7 @@
                                     <m:sSubPr>
                                       <m:ctrlPr>
                                         <a:rPr lang="en-US" i="1">
-                                          <a:latin typeface="Cambria Math" panose="02040503050406030204" pitchFamily="18" charset="0"/>
+                                          <a:latin typeface="Cambria Math" charset="0"/>
                                         </a:rPr>
                                       </m:ctrlPr>
                                     </m:sSubPr>
@@ -19985,7 +19826,7 @@
                                     <m:sSubPr>
                                       <m:ctrlPr>
                                         <a:rPr lang="en-US" i="1">
-                                          <a:latin typeface="Cambria Math" panose="02040503050406030204" pitchFamily="18" charset="0"/>
+                                          <a:latin typeface="Cambria Math" charset="0"/>
                                         </a:rPr>
                                       </m:ctrlPr>
                                     </m:sSubPr>
@@ -20024,7 +19865,7 @@
                                 <m:sSubPr>
                                   <m:ctrlPr>
                                     <a:rPr lang="en-US" i="1">
-                                      <a:latin typeface="Cambria Math" panose="02040503050406030204" pitchFamily="18" charset="0"/>
+                                      <a:latin typeface="Cambria Math" charset="0"/>
                                     </a:rPr>
                                   </m:ctrlPr>
                                 </m:sSubPr>
@@ -20063,7 +19904,7 @@
             </p:txBody>
           </p:sp>
         </mc:Choice>
-        <mc:Fallback>
+        <mc:Fallback xmlns="">
           <p:sp>
             <p:nvSpPr>
               <p:cNvPr id="22" name="TextBox 21"/>
@@ -20299,8 +20140,8 @@
           </p:txBody>
         </p:sp>
       </p:grpSp>
-      <mc:AlternateContent xmlns:mc="http://schemas.openxmlformats.org/markup-compatibility/2006">
-        <mc:Choice xmlns:a14="http://schemas.microsoft.com/office/drawing/2010/main" Requires="a14">
+      <mc:AlternateContent xmlns:mc="http://schemas.openxmlformats.org/markup-compatibility/2006" xmlns:a14="http://schemas.microsoft.com/office/drawing/2010/main">
+        <mc:Choice Requires="a14">
           <p:sp>
             <p:nvSpPr>
               <p:cNvPr id="27" name="Rectangle 26"/>
@@ -20334,7 +20175,7 @@
                       <m:dPr>
                         <m:ctrlPr>
                           <a:rPr lang="en-US" sz="1600" i="1">
-                            <a:latin typeface="Cambria Math" panose="02040503050406030204" pitchFamily="18" charset="0"/>
+                            <a:latin typeface="Cambria Math" charset="0"/>
                           </a:rPr>
                         </m:ctrlPr>
                       </m:dPr>
@@ -20343,7 +20184,7 @@
                           <m:sSubPr>
                             <m:ctrlPr>
                               <a:rPr lang="en-US" sz="1600" i="1">
-                                <a:latin typeface="Cambria Math" panose="02040503050406030204" pitchFamily="18" charset="0"/>
+                                <a:latin typeface="Cambria Math" charset="0"/>
                               </a:rPr>
                             </m:ctrlPr>
                           </m:sSubPr>
@@ -20397,7 +20238,7 @@
                                 <a:solidFill>
                                   <a:srgbClr val="00B050"/>
                                 </a:solidFill>
-                                <a:latin typeface="Cambria Math" panose="02040503050406030204" pitchFamily="18" charset="0"/>
+                                <a:latin typeface="Cambria Math" charset="0"/>
                               </a:rPr>
                             </m:ctrlPr>
                           </m:sSubPr>
@@ -20437,7 +20278,7 @@
             </p:txBody>
           </p:sp>
         </mc:Choice>
-        <mc:Fallback>
+        <mc:Fallback xmlns="">
           <p:sp>
             <p:nvSpPr>
               <p:cNvPr id="27" name="Rectangle 26"/>
@@ -20476,8 +20317,8 @@
           </p:sp>
         </mc:Fallback>
       </mc:AlternateContent>
-      <mc:AlternateContent xmlns:mc="http://schemas.openxmlformats.org/markup-compatibility/2006">
-        <mc:Choice xmlns:a14="http://schemas.microsoft.com/office/drawing/2010/main" Requires="a14">
+      <mc:AlternateContent xmlns:mc="http://schemas.openxmlformats.org/markup-compatibility/2006" xmlns:a14="http://schemas.microsoft.com/office/drawing/2010/main">
+        <mc:Choice Requires="a14">
           <p:sp>
             <p:nvSpPr>
               <p:cNvPr id="29" name="TextBox 28"/>
@@ -20524,11 +20365,7 @@
                 </a:r>
                 <a:r>
                   <a:rPr lang="en-US" sz="1600" dirty="0" smtClean="0"/>
-                  <a:t> under the hypothesis that they are in the same operon</a:t>
-                </a:r>
-                <a:r>
-                  <a:rPr lang="en-US" sz="1600" dirty="0" smtClean="0"/>
-                  <a:t>. </a:t>
+                  <a:t> under the hypothesis that they are in the same operon. </a:t>
                 </a:r>
                 <a:r>
                   <a:rPr lang="en-US" sz="1600" dirty="0" smtClean="0">
@@ -20557,7 +20394,7 @@
                             <a:solidFill>
                               <a:srgbClr val="00B050"/>
                             </a:solidFill>
-                            <a:latin typeface="Cambria Math" panose="02040503050406030204" pitchFamily="18" charset="0"/>
+                            <a:latin typeface="Cambria Math" charset="0"/>
                           </a:rPr>
                         </m:ctrlPr>
                       </m:sSubPr>
@@ -20594,7 +20431,7 @@
             </p:txBody>
           </p:sp>
         </mc:Choice>
-        <mc:Fallback>
+        <mc:Fallback xmlns="">
           <p:sp>
             <p:nvSpPr>
               <p:cNvPr id="29" name="TextBox 28"/>
@@ -20698,8 +20535,8 @@
           </a:p>
         </p:txBody>
       </p:sp>
-      <mc:AlternateContent xmlns:mc="http://schemas.openxmlformats.org/markup-compatibility/2006">
-        <mc:Choice xmlns:a14="http://schemas.microsoft.com/office/drawing/2010/main" Requires="a14">
+      <mc:AlternateContent xmlns:mc="http://schemas.openxmlformats.org/markup-compatibility/2006" xmlns:a14="http://schemas.microsoft.com/office/drawing/2010/main">
+        <mc:Choice Requires="a14">
           <p:sp>
             <p:nvSpPr>
               <p:cNvPr id="3" name="Rectangle 2"/>
@@ -20721,6 +20558,7 @@
               </a:bodyPr>
               <a:lstStyle/>
               <a:p>
+                <a:pPr/>
                 <a14:m>
                   <m:oMathPara xmlns:m="http://schemas.openxmlformats.org/officeDocument/2006/math">
                     <m:oMathParaPr>
@@ -20734,7 +20572,7 @@
                               <a:solidFill>
                                 <a:srgbClr val="00B050"/>
                               </a:solidFill>
-                              <a:latin typeface="Cambria Math" panose="02040503050406030204" pitchFamily="18" charset="0"/>
+                              <a:latin typeface="Cambria Math" charset="0"/>
                             </a:rPr>
                           </m:ctrlPr>
                         </m:sSubPr>
@@ -20769,7 +20607,7 @@
             </p:txBody>
           </p:sp>
         </mc:Choice>
-        <mc:Fallback>
+        <mc:Fallback xmlns="">
           <p:sp>
             <p:nvSpPr>
               <p:cNvPr id="3" name="Rectangle 2"/>
@@ -20808,8 +20646,8 @@
           </p:sp>
         </mc:Fallback>
       </mc:AlternateContent>
-      <mc:AlternateContent xmlns:mc="http://schemas.openxmlformats.org/markup-compatibility/2006">
-        <mc:Choice xmlns:a14="http://schemas.microsoft.com/office/drawing/2010/main" Requires="a14">
+      <mc:AlternateContent xmlns:mc="http://schemas.openxmlformats.org/markup-compatibility/2006" xmlns:a14="http://schemas.microsoft.com/office/drawing/2010/main">
+        <mc:Choice Requires="a14">
           <p:sp>
             <p:nvSpPr>
               <p:cNvPr id="30" name="Rectangle 29"/>
@@ -20831,6 +20669,7 @@
               </a:bodyPr>
               <a:lstStyle/>
               <a:p>
+                <a:pPr/>
                 <a14:m>
                   <m:oMathPara xmlns:m="http://schemas.openxmlformats.org/officeDocument/2006/math">
                     <m:oMathParaPr>
@@ -20844,7 +20683,7 @@
                               <a:solidFill>
                                 <a:srgbClr val="FF0000"/>
                               </a:solidFill>
-                              <a:latin typeface="Cambria Math" panose="02040503050406030204" pitchFamily="18" charset="0"/>
+                              <a:latin typeface="Cambria Math" charset="0"/>
                             </a:rPr>
                           </m:ctrlPr>
                         </m:sSubPr>
@@ -20879,7 +20718,7 @@
             </p:txBody>
           </p:sp>
         </mc:Choice>
-        <mc:Fallback>
+        <mc:Fallback xmlns="">
           <p:sp>
             <p:nvSpPr>
               <p:cNvPr id="30" name="Rectangle 29"/>
@@ -21022,8 +20861,8 @@
           </a:p>
         </p:txBody>
       </p:sp>
-      <mc:AlternateContent xmlns:mc="http://schemas.openxmlformats.org/markup-compatibility/2006">
-        <mc:Choice xmlns:a14="http://schemas.microsoft.com/office/drawing/2010/main" Requires="a14">
+      <mc:AlternateContent xmlns:mc="http://schemas.openxmlformats.org/markup-compatibility/2006" xmlns:a14="http://schemas.microsoft.com/office/drawing/2010/main">
+        <mc:Choice Requires="a14">
           <p:sp>
             <p:nvSpPr>
               <p:cNvPr id="33" name="Rectangle 32"/>
@@ -21045,6 +20884,7 @@
               </a:bodyPr>
               <a:lstStyle/>
               <a:p>
+                <a:pPr/>
                 <a14:m>
                   <m:oMathPara xmlns:m="http://schemas.openxmlformats.org/officeDocument/2006/math">
                     <m:oMathParaPr>
@@ -21061,7 +20901,7 @@
                         <m:dPr>
                           <m:ctrlPr>
                             <a:rPr lang="en-US" i="1">
-                              <a:latin typeface="Cambria Math" panose="02040503050406030204" pitchFamily="18" charset="0"/>
+                              <a:latin typeface="Cambria Math" charset="0"/>
                             </a:rPr>
                           </m:ctrlPr>
                         </m:dPr>
@@ -21073,7 +20913,7 @@
                                   <a:solidFill>
                                     <a:srgbClr val="00B050"/>
                                   </a:solidFill>
-                                  <a:latin typeface="Cambria Math" panose="02040503050406030204" pitchFamily="18" charset="0"/>
+                                  <a:latin typeface="Cambria Math" charset="0"/>
                                 </a:rPr>
                               </m:ctrlPr>
                             </m:sSubPr>
@@ -21116,7 +20956,7 @@
             </p:txBody>
           </p:sp>
         </mc:Choice>
-        <mc:Fallback>
+        <mc:Fallback xmlns="">
           <p:sp>
             <p:nvSpPr>
               <p:cNvPr id="33" name="Rectangle 32"/>
@@ -21155,8 +20995,8 @@
           </p:sp>
         </mc:Fallback>
       </mc:AlternateContent>
-      <mc:AlternateContent xmlns:mc="http://schemas.openxmlformats.org/markup-compatibility/2006">
-        <mc:Choice xmlns:a14="http://schemas.microsoft.com/office/drawing/2010/main" Requires="a14">
+      <mc:AlternateContent xmlns:mc="http://schemas.openxmlformats.org/markup-compatibility/2006" xmlns:a14="http://schemas.microsoft.com/office/drawing/2010/main">
+        <mc:Choice Requires="a14">
           <p:sp>
             <p:nvSpPr>
               <p:cNvPr id="34" name="TextBox 33"/>
@@ -21192,7 +21032,7 @@
                             <a:solidFill>
                               <a:srgbClr val="00B050"/>
                             </a:solidFill>
-                            <a:latin typeface="Cambria Math" panose="02040503050406030204" pitchFamily="18" charset="0"/>
+                            <a:latin typeface="Cambria Math" charset="0"/>
                           </a:rPr>
                         </m:ctrlPr>
                       </m:sSubPr>
@@ -21225,12 +21065,11 @@
                   <a:rPr lang="en-US" sz="1600" dirty="0" smtClean="0"/>
                   <a:t> </a:t>
                 </a:r>
-                <a:endParaRPr lang="en-US" sz="1600" dirty="0" smtClean="0"/>
               </a:p>
             </p:txBody>
           </p:sp>
         </mc:Choice>
-        <mc:Fallback>
+        <mc:Fallback xmlns="">
           <p:sp>
             <p:nvSpPr>
               <p:cNvPr id="34" name="TextBox 33"/>
@@ -21303,8 +21142,8 @@
           </a:p>
         </p:txBody>
       </p:sp>
-      <mc:AlternateContent xmlns:mc="http://schemas.openxmlformats.org/markup-compatibility/2006">
-        <mc:Choice xmlns:a14="http://schemas.microsoft.com/office/drawing/2010/main" Requires="a14">
+      <mc:AlternateContent xmlns:mc="http://schemas.openxmlformats.org/markup-compatibility/2006" xmlns:a14="http://schemas.microsoft.com/office/drawing/2010/main">
+        <mc:Choice Requires="a14">
           <p:sp>
             <p:nvSpPr>
               <p:cNvPr id="37" name="TextBox 36"/>
@@ -21343,7 +21182,7 @@
                       <m:dPr>
                         <m:ctrlPr>
                           <a:rPr lang="en-US" sz="1600" b="1" i="1">
-                            <a:latin typeface="Cambria Math" panose="02040503050406030204" pitchFamily="18" charset="0"/>
+                            <a:latin typeface="Cambria Math" charset="0"/>
                           </a:rPr>
                         </m:ctrlPr>
                       </m:dPr>
@@ -21355,7 +21194,7 @@
                                 <a:solidFill>
                                   <a:srgbClr val="00B050"/>
                                 </a:solidFill>
-                                <a:latin typeface="Cambria Math" panose="02040503050406030204" pitchFamily="18" charset="0"/>
+                                <a:latin typeface="Cambria Math" charset="0"/>
                               </a:rPr>
                             </m:ctrlPr>
                           </m:sSubPr>
@@ -21395,7 +21234,7 @@
             </p:txBody>
           </p:sp>
         </mc:Choice>
-        <mc:Fallback>
+        <mc:Fallback xmlns="">
           <p:sp>
             <p:nvSpPr>
               <p:cNvPr id="37" name="TextBox 36"/>
@@ -21434,8 +21273,8 @@
           </p:sp>
         </mc:Fallback>
       </mc:AlternateContent>
-      <mc:AlternateContent xmlns:mc="http://schemas.openxmlformats.org/markup-compatibility/2006">
-        <mc:Choice xmlns:a14="http://schemas.microsoft.com/office/drawing/2010/main" Requires="a14">
+      <mc:AlternateContent xmlns:mc="http://schemas.openxmlformats.org/markup-compatibility/2006" xmlns:a14="http://schemas.microsoft.com/office/drawing/2010/main">
+        <mc:Choice Requires="a14">
           <p:sp>
             <p:nvSpPr>
               <p:cNvPr id="38" name="TextBox 37"/>
@@ -21474,7 +21313,7 @@
                       <m:dPr>
                         <m:ctrlPr>
                           <a:rPr lang="en-US" sz="1600" i="1">
-                            <a:latin typeface="Cambria Math" panose="02040503050406030204" pitchFamily="18" charset="0"/>
+                            <a:latin typeface="Cambria Math" charset="0"/>
                           </a:rPr>
                         </m:ctrlPr>
                       </m:dPr>
@@ -21486,7 +21325,7 @@
                                 <a:solidFill>
                                   <a:srgbClr val="00B050"/>
                                 </a:solidFill>
-                                <a:latin typeface="Cambria Math" panose="02040503050406030204" pitchFamily="18" charset="0"/>
+                                <a:latin typeface="Cambria Math" charset="0"/>
                               </a:rPr>
                             </m:ctrlPr>
                           </m:sSubPr>
@@ -21526,7 +21365,7 @@
             </p:txBody>
           </p:sp>
         </mc:Choice>
-        <mc:Fallback>
+        <mc:Fallback xmlns="">
           <p:sp>
             <p:nvSpPr>
               <p:cNvPr id="38" name="TextBox 37"/>
@@ -21565,8 +21404,8 @@
           </p:sp>
         </mc:Fallback>
       </mc:AlternateContent>
-      <mc:AlternateContent xmlns:mc="http://schemas.openxmlformats.org/markup-compatibility/2006">
-        <mc:Choice xmlns:a14="http://schemas.microsoft.com/office/drawing/2010/main" Requires="a14">
+      <mc:AlternateContent xmlns:mc="http://schemas.openxmlformats.org/markup-compatibility/2006" xmlns:a14="http://schemas.microsoft.com/office/drawing/2010/main">
+        <mc:Choice Requires="a14">
           <p:sp>
             <p:nvSpPr>
               <p:cNvPr id="39" name="Rectangle 38"/>
@@ -21600,7 +21439,7 @@
                       <m:dPr>
                         <m:ctrlPr>
                           <a:rPr lang="en-US" i="1">
-                            <a:latin typeface="Cambria Math" panose="02040503050406030204" pitchFamily="18" charset="0"/>
+                            <a:latin typeface="Cambria Math" charset="0"/>
                           </a:rPr>
                         </m:ctrlPr>
                       </m:dPr>
@@ -21612,7 +21451,7 @@
                                 <a:solidFill>
                                   <a:srgbClr val="FF0000"/>
                                 </a:solidFill>
-                                <a:latin typeface="Cambria Math" panose="02040503050406030204" pitchFamily="18" charset="0"/>
+                                <a:latin typeface="Cambria Math" charset="0"/>
                               </a:rPr>
                             </m:ctrlPr>
                           </m:sSubPr>
@@ -21675,7 +21514,7 @@
                             <a:solidFill>
                               <a:srgbClr val="00B050"/>
                             </a:solidFill>
-                            <a:latin typeface="Cambria Math" panose="02040503050406030204" pitchFamily="18" charset="0"/>
+                            <a:latin typeface="Cambria Math" charset="0"/>
                           </a:rPr>
                         </m:ctrlPr>
                       </m:sSubPr>
@@ -21713,7 +21552,7 @@
             </p:txBody>
           </p:sp>
         </mc:Choice>
-        <mc:Fallback>
+        <mc:Fallback xmlns="">
           <p:sp>
             <p:nvSpPr>
               <p:cNvPr id="39" name="Rectangle 38"/>
@@ -23184,8 +23023,8 @@
           </a:p>
         </p:txBody>
       </p:sp>
-      <mc:AlternateContent xmlns:mc="http://schemas.openxmlformats.org/markup-compatibility/2006">
-        <mc:Choice xmlns:a14="http://schemas.microsoft.com/office/drawing/2010/main" Requires="a14">
+      <mc:AlternateContent xmlns:mc="http://schemas.openxmlformats.org/markup-compatibility/2006" xmlns:a14="http://schemas.microsoft.com/office/drawing/2010/main">
+        <mc:Choice Requires="a14">
           <p:sp>
             <p:nvSpPr>
               <p:cNvPr id="9" name="Rectangle 8"/>
@@ -23219,7 +23058,7 @@
                       <m:dPr>
                         <m:ctrlPr>
                           <a:rPr lang="en-US" sz="1600" i="1">
-                            <a:latin typeface="Cambria Math" panose="02040503050406030204" pitchFamily="18" charset="0"/>
+                            <a:latin typeface="Cambria Math" charset="0"/>
                           </a:rPr>
                         </m:ctrlPr>
                       </m:dPr>
@@ -23228,7 +23067,7 @@
                           <m:sSubPr>
                             <m:ctrlPr>
                               <a:rPr lang="en-US" sz="1600" i="1">
-                                <a:latin typeface="Cambria Math" panose="02040503050406030204" pitchFamily="18" charset="0"/>
+                                <a:latin typeface="Cambria Math" charset="0"/>
                               </a:rPr>
                             </m:ctrlPr>
                           </m:sSubPr>
@@ -23282,7 +23121,7 @@
                                 <a:solidFill>
                                   <a:srgbClr val="00B050"/>
                                 </a:solidFill>
-                                <a:latin typeface="Cambria Math" panose="02040503050406030204" pitchFamily="18" charset="0"/>
+                                <a:latin typeface="Cambria Math" charset="0"/>
                               </a:rPr>
                             </m:ctrlPr>
                           </m:sSubPr>
@@ -23322,7 +23161,7 @@
             </p:txBody>
           </p:sp>
         </mc:Choice>
-        <mc:Fallback>
+        <mc:Fallback xmlns="">
           <p:sp>
             <p:nvSpPr>
               <p:cNvPr id="9" name="Rectangle 8"/>
@@ -23361,8 +23200,8 @@
           </p:sp>
         </mc:Fallback>
       </mc:AlternateContent>
-      <mc:AlternateContent xmlns:mc="http://schemas.openxmlformats.org/markup-compatibility/2006">
-        <mc:Choice xmlns:a14="http://schemas.microsoft.com/office/drawing/2010/main" Requires="a14">
+      <mc:AlternateContent xmlns:mc="http://schemas.openxmlformats.org/markup-compatibility/2006" xmlns:a14="http://schemas.microsoft.com/office/drawing/2010/main">
+        <mc:Choice Requires="a14">
           <p:sp>
             <p:nvSpPr>
               <p:cNvPr id="10" name="TextBox 9"/>
@@ -23387,15 +23226,7 @@
               <a:p>
                 <a:r>
                   <a:rPr lang="en-US" sz="1600" dirty="0" smtClean="0"/>
-                  <a:t>This likelihood </a:t>
-                </a:r>
-                <a:r>
-                  <a:rPr lang="en-US" sz="1600" dirty="0" smtClean="0"/>
-                  <a:t>is our model of how the intergenic</a:t>
-                </a:r>
-                <a:r>
-                  <a:rPr lang="en-US" sz="1600" dirty="0" smtClean="0"/>
-                  <a:t> distance </a:t>
+                  <a:t>This likelihood is our model of how the intergenic distance </a:t>
                 </a:r>
                 <a:r>
                   <a:rPr lang="en-US" sz="1600" i="1" dirty="0" smtClean="0">
@@ -23414,11 +23245,7 @@
                 </a:r>
                 <a:r>
                   <a:rPr lang="en-US" sz="1600" dirty="0" smtClean="0"/>
-                  <a:t>between adjacent </a:t>
-                </a:r>
-                <a:r>
-                  <a:rPr lang="en-US" sz="1600" dirty="0" smtClean="0"/>
-                  <a:t>genes </a:t>
+                  <a:t>between adjacent genes </a:t>
                 </a:r>
                 <a:r>
                   <a:rPr lang="en-US" sz="1600" i="1" dirty="0" smtClean="0">
@@ -23429,19 +23256,7 @@
                 </a:r>
                 <a:r>
                   <a:rPr lang="en-US" sz="1600" dirty="0" smtClean="0"/>
-                  <a:t> </a:t>
-                </a:r>
-                <a:r>
-                  <a:rPr lang="en-US" sz="1600" dirty="0" smtClean="0"/>
-                  <a:t>is distributed given that </a:t>
-                </a:r>
-                <a:r>
-                  <a:rPr lang="en-US" sz="1600" dirty="0" smtClean="0"/>
-                  <a:t>they are in the same </a:t>
-                </a:r>
-                <a:r>
-                  <a:rPr lang="en-US" sz="1600" dirty="0" smtClean="0"/>
-                  <a:t>operon</a:t>
+                  <a:t> is distributed given that they are in the same operon</a:t>
                 </a:r>
                 <a:r>
                   <a:rPr lang="en-US" sz="1600" dirty="0"/>
@@ -23462,7 +23277,7 @@
                             <a:solidFill>
                               <a:srgbClr val="00B050"/>
                             </a:solidFill>
-                            <a:latin typeface="Cambria Math" panose="02040503050406030204" pitchFamily="18" charset="0"/>
+                            <a:latin typeface="Cambria Math" charset="0"/>
                           </a:rPr>
                         </m:ctrlPr>
                       </m:sSubPr>
@@ -23507,7 +23322,7 @@
                       <m:dPr>
                         <m:ctrlPr>
                           <a:rPr lang="en-US" sz="1600" i="1">
-                            <a:latin typeface="Cambria Math" panose="02040503050406030204" pitchFamily="18" charset="0"/>
+                            <a:latin typeface="Cambria Math" charset="0"/>
                           </a:rPr>
                         </m:ctrlPr>
                       </m:dPr>
@@ -23516,7 +23331,7 @@
                           <m:sSubPr>
                             <m:ctrlPr>
                               <a:rPr lang="en-US" sz="1600" i="1">
-                                <a:latin typeface="Cambria Math" panose="02040503050406030204" pitchFamily="18" charset="0"/>
+                                <a:latin typeface="Cambria Math" charset="0"/>
                               </a:rPr>
                             </m:ctrlPr>
                           </m:sSubPr>
@@ -23570,7 +23385,7 @@
                                 <a:solidFill>
                                   <a:srgbClr val="FF0000"/>
                                 </a:solidFill>
-                                <a:latin typeface="Cambria Math" panose="02040503050406030204" pitchFamily="18" charset="0"/>
+                                <a:latin typeface="Cambria Math" charset="0"/>
                               </a:rPr>
                             </m:ctrlPr>
                           </m:sSubPr>
@@ -23619,7 +23434,7 @@
             </p:txBody>
           </p:sp>
         </mc:Choice>
-        <mc:Fallback>
+        <mc:Fallback xmlns="">
           <p:sp>
             <p:nvSpPr>
               <p:cNvPr id="10" name="TextBox 9"/>
@@ -23825,8 +23640,8 @@
           </a:p>
         </p:txBody>
       </p:sp>
-      <mc:AlternateContent xmlns:mc="http://schemas.openxmlformats.org/markup-compatibility/2006">
-        <mc:Choice xmlns:a14="http://schemas.microsoft.com/office/drawing/2010/main" Requires="a14">
+      <mc:AlternateContent xmlns:mc="http://schemas.openxmlformats.org/markup-compatibility/2006" xmlns:a14="http://schemas.microsoft.com/office/drawing/2010/main">
+        <mc:Choice Requires="a14">
           <p:sp>
             <p:nvSpPr>
               <p:cNvPr id="17" name="Rectangle 16"/>
@@ -23848,6 +23663,7 @@
               </a:bodyPr>
               <a:lstStyle/>
               <a:p>
+                <a:pPr/>
                 <a14:m>
                   <m:oMathPara xmlns:m="http://schemas.openxmlformats.org/officeDocument/2006/math">
                     <m:oMathParaPr>
@@ -23864,7 +23680,7 @@
                         <m:dPr>
                           <m:ctrlPr>
                             <a:rPr lang="en-US" sz="1000" i="1">
-                              <a:latin typeface="Cambria Math" panose="02040503050406030204" pitchFamily="18" charset="0"/>
+                              <a:latin typeface="Cambria Math" charset="0"/>
                             </a:rPr>
                           </m:ctrlPr>
                         </m:dPr>
@@ -23873,7 +23689,7 @@
                             <m:sSubPr>
                               <m:ctrlPr>
                                 <a:rPr lang="en-US" sz="1000" i="1">
-                                  <a:latin typeface="Cambria Math" panose="02040503050406030204" pitchFamily="18" charset="0"/>
+                                  <a:latin typeface="Cambria Math" charset="0"/>
                                 </a:rPr>
                               </m:ctrlPr>
                             </m:sSubPr>
@@ -23927,7 +23743,7 @@
                                   <a:solidFill>
                                     <a:srgbClr val="FF0000"/>
                                   </a:solidFill>
-                                  <a:latin typeface="Cambria Math" panose="02040503050406030204" pitchFamily="18" charset="0"/>
+                                  <a:latin typeface="Cambria Math" charset="0"/>
                                 </a:rPr>
                               </m:ctrlPr>
                             </m:sSubPr>
@@ -23964,7 +23780,7 @@
             </p:txBody>
           </p:sp>
         </mc:Choice>
-        <mc:Fallback>
+        <mc:Fallback xmlns="">
           <p:sp>
             <p:nvSpPr>
               <p:cNvPr id="17" name="Rectangle 16"/>
@@ -24003,8 +23819,8 @@
           </p:sp>
         </mc:Fallback>
       </mc:AlternateContent>
-      <mc:AlternateContent xmlns:mc="http://schemas.openxmlformats.org/markup-compatibility/2006">
-        <mc:Choice xmlns:a14="http://schemas.microsoft.com/office/drawing/2010/main" Requires="a14">
+      <mc:AlternateContent xmlns:mc="http://schemas.openxmlformats.org/markup-compatibility/2006" xmlns:a14="http://schemas.microsoft.com/office/drawing/2010/main">
+        <mc:Choice Requires="a14">
           <p:sp>
             <p:nvSpPr>
               <p:cNvPr id="18" name="Rectangle 17"/>
@@ -24026,6 +23842,7 @@
               </a:bodyPr>
               <a:lstStyle/>
               <a:p>
+                <a:pPr/>
                 <a14:m>
                   <m:oMathPara xmlns:m="http://schemas.openxmlformats.org/officeDocument/2006/math">
                     <m:oMathParaPr>
@@ -24042,7 +23859,7 @@
                         <m:dPr>
                           <m:ctrlPr>
                             <a:rPr lang="en-US" sz="1000" i="1">
-                              <a:latin typeface="Cambria Math" panose="02040503050406030204" pitchFamily="18" charset="0"/>
+                              <a:latin typeface="Cambria Math" charset="0"/>
                             </a:rPr>
                           </m:ctrlPr>
                         </m:dPr>
@@ -24051,7 +23868,7 @@
                             <m:sSubPr>
                               <m:ctrlPr>
                                 <a:rPr lang="en-US" sz="1000" i="1">
-                                  <a:latin typeface="Cambria Math" panose="02040503050406030204" pitchFamily="18" charset="0"/>
+                                  <a:latin typeface="Cambria Math" charset="0"/>
                                 </a:rPr>
                               </m:ctrlPr>
                             </m:sSubPr>
@@ -24105,7 +23922,7 @@
                                   <a:solidFill>
                                     <a:srgbClr val="00B050"/>
                                   </a:solidFill>
-                                  <a:latin typeface="Cambria Math" panose="02040503050406030204" pitchFamily="18" charset="0"/>
+                                  <a:latin typeface="Cambria Math" charset="0"/>
                                 </a:rPr>
                               </m:ctrlPr>
                             </m:sSubPr>
@@ -24142,7 +23959,7 @@
             </p:txBody>
           </p:sp>
         </mc:Choice>
-        <mc:Fallback>
+        <mc:Fallback xmlns="">
           <p:sp>
             <p:nvSpPr>
               <p:cNvPr id="18" name="Rectangle 17"/>
@@ -24181,8 +23998,8 @@
           </p:sp>
         </mc:Fallback>
       </mc:AlternateContent>
-      <mc:AlternateContent xmlns:mc="http://schemas.openxmlformats.org/markup-compatibility/2006">
-        <mc:Choice xmlns:a14="http://schemas.microsoft.com/office/drawing/2010/main" Requires="a14">
+      <mc:AlternateContent xmlns:mc="http://schemas.openxmlformats.org/markup-compatibility/2006" xmlns:a14="http://schemas.microsoft.com/office/drawing/2010/main">
+        <mc:Choice Requires="a14">
           <p:sp>
             <p:nvSpPr>
               <p:cNvPr id="19" name="Rectangle 18"/>
@@ -24230,7 +24047,7 @@
                               <a:solidFill>
                                 <a:srgbClr val="00B050"/>
                               </a:solidFill>
-                              <a:latin typeface="Cambria Math" panose="02040503050406030204" pitchFamily="18" charset="0"/>
+                              <a:latin typeface="Cambria Math" charset="0"/>
                             </a:rPr>
                           </m:ctrlPr>
                         </m:sSubPr>
@@ -24267,7 +24084,7 @@
                         <m:sSubPr>
                           <m:ctrlPr>
                             <a:rPr lang="en-US" sz="1000" i="1">
-                              <a:latin typeface="Cambria Math" panose="02040503050406030204" pitchFamily="18" charset="0"/>
+                              <a:latin typeface="Cambria Math" charset="0"/>
                             </a:rPr>
                           </m:ctrlPr>
                         </m:sSubPr>
@@ -24326,7 +24143,7 @@
             </p:txBody>
           </p:sp>
         </mc:Choice>
-        <mc:Fallback>
+        <mc:Fallback xmlns="">
           <p:sp>
             <p:nvSpPr>
               <p:cNvPr id="19" name="Rectangle 18"/>
@@ -24518,8 +24335,8 @@
           </a:p>
         </p:txBody>
       </p:sp>
-      <mc:AlternateContent xmlns:mc="http://schemas.openxmlformats.org/markup-compatibility/2006">
-        <mc:Choice xmlns:a14="http://schemas.microsoft.com/office/drawing/2010/main" Requires="a14">
+      <mc:AlternateContent xmlns:mc="http://schemas.openxmlformats.org/markup-compatibility/2006" xmlns:a14="http://schemas.microsoft.com/office/drawing/2010/main">
+        <mc:Choice Requires="a14">
           <p:sp>
             <p:nvSpPr>
               <p:cNvPr id="5" name="TextBox 4"/>
@@ -24724,7 +24541,7 @@
                       <m:dPr>
                         <m:ctrlPr>
                           <a:rPr lang="en-US" i="1">
-                            <a:latin typeface="Cambria Math" panose="02040503050406030204" pitchFamily="18" charset="0"/>
+                            <a:latin typeface="Cambria Math" charset="0"/>
                           </a:rPr>
                         </m:ctrlPr>
                       </m:dPr>
@@ -24733,7 +24550,7 @@
                           <m:sSubPr>
                             <m:ctrlPr>
                               <a:rPr lang="en-US" i="1">
-                                <a:latin typeface="Cambria Math" panose="02040503050406030204" pitchFamily="18" charset="0"/>
+                                <a:latin typeface="Cambria Math" charset="0"/>
                               </a:rPr>
                             </m:ctrlPr>
                           </m:sSubPr>
@@ -24787,7 +24604,7 @@
                                 <a:solidFill>
                                   <a:srgbClr val="00B050"/>
                                 </a:solidFill>
-                                <a:latin typeface="Cambria Math" panose="02040503050406030204" pitchFamily="18" charset="0"/>
+                                <a:latin typeface="Cambria Math" charset="0"/>
                               </a:rPr>
                             </m:ctrlPr>
                           </m:sSubPr>
@@ -24834,7 +24651,7 @@
                       <m:dPr>
                         <m:ctrlPr>
                           <a:rPr lang="en-US" i="1">
-                            <a:latin typeface="Cambria Math" panose="02040503050406030204" pitchFamily="18" charset="0"/>
+                            <a:latin typeface="Cambria Math" charset="0"/>
                           </a:rPr>
                         </m:ctrlPr>
                       </m:dPr>
@@ -24843,7 +24660,7 @@
                           <m:sSubPr>
                             <m:ctrlPr>
                               <a:rPr lang="en-US" i="1">
-                                <a:latin typeface="Cambria Math" panose="02040503050406030204" pitchFamily="18" charset="0"/>
+                                <a:latin typeface="Cambria Math" charset="0"/>
                               </a:rPr>
                             </m:ctrlPr>
                           </m:sSubPr>
@@ -24897,7 +24714,7 @@
                                 <a:solidFill>
                                   <a:srgbClr val="FF0000"/>
                                 </a:solidFill>
-                                <a:latin typeface="Cambria Math" panose="02040503050406030204" pitchFamily="18" charset="0"/>
+                                <a:latin typeface="Cambria Math" charset="0"/>
                               </a:rPr>
                             </m:ctrlPr>
                           </m:sSubPr>
@@ -24955,7 +24772,7 @@
             </p:txBody>
           </p:sp>
         </mc:Choice>
-        <mc:Fallback>
+        <mc:Fallback xmlns="">
           <p:sp>
             <p:nvSpPr>
               <p:cNvPr id="5" name="TextBox 4"/>
@@ -25654,15 +25471,7 @@
             </a:pPr>
             <a:r>
               <a:rPr lang="en-US" sz="1800" dirty="0" smtClean="0"/>
-              <a:t>Or specify </a:t>
-            </a:r>
-            <a:r>
-              <a:rPr lang="en-US" sz="1800" dirty="0" smtClean="0"/>
-              <a:t>explicitly the </a:t>
-            </a:r>
-            <a:r>
-              <a:rPr lang="en-US" sz="1800" dirty="0" smtClean="0"/>
-              <a:t>path to the database when we run blast.</a:t>
+              <a:t>Or specify explicitly the path to the database when we run blast.</a:t>
             </a:r>
             <a:endParaRPr lang="en-US" sz="1800" dirty="0"/>
           </a:p>
@@ -26181,13 +25990,7 @@
               <a:rPr lang="en-US" sz="1700" b="1" dirty="0" smtClean="0">
                 <a:sym typeface="Symbol" panose="05050102010706020507" pitchFamily="18" charset="2"/>
               </a:rPr>
-              <a:t> </a:t>
-            </a:r>
-            <a:r>
-              <a:rPr lang="en-US" sz="1700" b="1" dirty="0" smtClean="0">
-                <a:sym typeface="Symbol" panose="05050102010706020507" pitchFamily="18" charset="2"/>
-              </a:rPr>
-              <a:t>-query </a:t>
+              <a:t> -query </a:t>
             </a:r>
             <a:r>
               <a:rPr lang="en-US" sz="1700" dirty="0" smtClean="0">
@@ -33460,13 +33263,7 @@
               <a:rPr lang="en-US" sz="2400" dirty="0" smtClean="0">
                 <a:sym typeface="Symbol" panose="05050102010706020507" pitchFamily="18" charset="2"/>
               </a:rPr>
-              <a:t>What about transcriptional regulators</a:t>
-            </a:r>
-            <a:r>
-              <a:rPr lang="en-US" sz="2400" dirty="0" smtClean="0">
-                <a:sym typeface="Symbol" panose="05050102010706020507" pitchFamily="18" charset="2"/>
-              </a:rPr>
-              <a:t>?</a:t>
+              <a:t>What about transcriptional regulators?</a:t>
             </a:r>
           </a:p>
           <a:p>
